--- a/report_and_presentation/CarPlateRecognition.pptx
+++ b/report_and_presentation/CarPlateRecognition.pptx
@@ -115,6 +115,11 @@
       </a:defRPr>
     </a:lvl9pPr>
   </p:defaultTextStyle>
+  <p:extLst>
+    <p:ext uri="{EFAFB233-063F-42B5-8137-9DF3F51BA10A}">
+      <p15:sldGuideLst xmlns:p15="http://schemas.microsoft.com/office/powerpoint/2012/main"/>
+    </p:ext>
+  </p:extLst>
 </p:presentation>
 </file>
 
@@ -16125,7 +16130,7 @@
           <a:p>
             <a:fld id="{9184DA70-C731-4C70-880D-CCD4705E623C}" type="datetime1">
               <a:rPr lang="en-US" smtClean="0"/>
-              <a:t>10/25/21</a:t>
+              <a:t>11/8/21</a:t>
             </a:fld>
             <a:endParaRPr lang="en-US" dirty="0"/>
           </a:p>
@@ -16313,7 +16318,7 @@
           <a:p>
             <a:fld id="{B612A279-0833-481D-8C56-F67FD0AC6C50}" type="datetime1">
               <a:rPr lang="en-US" smtClean="0"/>
-              <a:t>10/25/21</a:t>
+              <a:t>11/8/21</a:t>
             </a:fld>
             <a:endParaRPr lang="en-US" dirty="0"/>
           </a:p>
@@ -16555,7 +16560,7 @@
           <a:p>
             <a:fld id="{6587DA83-5663-4C9C-B9AA-0B40A3DAFF81}" type="datetime1">
               <a:rPr lang="en-US" smtClean="0"/>
-              <a:t>10/25/21</a:t>
+              <a:t>11/8/21</a:t>
             </a:fld>
             <a:endParaRPr lang="en-US" dirty="0"/>
           </a:p>
@@ -16743,7 +16748,7 @@
           <a:p>
             <a:fld id="{4BE1D723-8F53-4F53-90B0-1982A396982E}" type="datetime1">
               <a:rPr lang="en-US" smtClean="0"/>
-              <a:t>10/25/21</a:t>
+              <a:t>11/8/21</a:t>
             </a:fld>
             <a:endParaRPr lang="en-US" dirty="0"/>
           </a:p>
@@ -17116,7 +17121,7 @@
           <a:p>
             <a:fld id="{97669AF7-7BEB-44E4-9852-375E34362B5B}" type="datetime1">
               <a:rPr lang="en-US" smtClean="0"/>
-              <a:t>10/25/21</a:t>
+              <a:t>11/8/21</a:t>
             </a:fld>
             <a:endParaRPr lang="en-US" dirty="0"/>
           </a:p>
@@ -17371,7 +17376,7 @@
           <a:p>
             <a:fld id="{BAAAC38D-0552-4C82-B593-E6124DFADBE2}" type="datetime1">
               <a:rPr lang="en-US" smtClean="0"/>
-              <a:t>10/25/21</a:t>
+              <a:t>11/8/21</a:t>
             </a:fld>
             <a:endParaRPr lang="en-US" dirty="0"/>
           </a:p>
@@ -17768,7 +17773,7 @@
           <a:p>
             <a:fld id="{D9DF0F1C-5577-4ACB-BB62-DF8F3C494C7E}" type="datetime1">
               <a:rPr lang="en-US" smtClean="0"/>
-              <a:t>10/25/21</a:t>
+              <a:t>11/8/21</a:t>
             </a:fld>
             <a:endParaRPr lang="en-US" dirty="0"/>
           </a:p>
@@ -17904,7 +17909,7 @@
           <a:p>
             <a:fld id="{1775B394-D9F9-4F0C-B15D-605F45CB9E9F}" type="datetime1">
               <a:rPr lang="en-US" smtClean="0"/>
-              <a:t>10/25/21</a:t>
+              <a:t>11/8/21</a:t>
             </a:fld>
             <a:endParaRPr lang="en-US" dirty="0"/>
           </a:p>
@@ -18061,7 +18066,7 @@
           <a:p>
             <a:fld id="{39667345-2558-425A-8533-9BFDBCE15005}" type="datetime1">
               <a:rPr lang="en-US" smtClean="0"/>
-              <a:t>10/25/21</a:t>
+              <a:t>11/8/21</a:t>
             </a:fld>
             <a:endParaRPr lang="en-US" dirty="0"/>
           </a:p>
@@ -18390,7 +18395,7 @@
           <a:p>
             <a:fld id="{92BEA474-078D-4E9B-9B14-09A87B19DC46}" type="datetime1">
               <a:rPr lang="en-US" smtClean="0"/>
-              <a:t>10/25/21</a:t>
+              <a:t>11/8/21</a:t>
             </a:fld>
             <a:endParaRPr lang="en-US" dirty="0"/>
           </a:p>
@@ -18740,7 +18745,7 @@
           <a:p>
             <a:fld id="{4907D986-8816-4272-A432-0437A28A9828}" type="datetime1">
               <a:rPr lang="en-US" smtClean="0"/>
-              <a:t>10/25/21</a:t>
+              <a:t>11/8/21</a:t>
             </a:fld>
             <a:endParaRPr lang="en-US" dirty="0"/>
           </a:p>
@@ -19001,7 +19006,7 @@
           <a:p>
             <a:fld id="{62D6E202-B606-4609-B914-27C9371A1F6D}" type="datetime1">
               <a:rPr lang="en-US" smtClean="0"/>
-              <a:t>10/25/21</a:t>
+              <a:t>11/8/21</a:t>
             </a:fld>
             <a:endParaRPr lang="en-US" dirty="0"/>
           </a:p>

--- a/report_and_presentation/CarPlateRecognition.pptx
+++ b/report_and_presentation/CarPlateRecognition.pptx
@@ -3128,42 +3128,54 @@
 </file>
 
 <file path=ppt/diagrams/colors5.xml><?xml version="1.0" encoding="utf-8"?>
-<dgm:colorsDef xmlns:dgm="http://schemas.openxmlformats.org/drawingml/2006/diagram" xmlns:a="http://schemas.openxmlformats.org/drawingml/2006/main" uniqueId="urn:microsoft.com/office/officeart/2005/8/colors/accent0_3">
+<dgm:colorsDef xmlns:dgm="http://schemas.openxmlformats.org/drawingml/2006/diagram" xmlns:a="http://schemas.openxmlformats.org/drawingml/2006/main" uniqueId="urn:microsoft.com/office/officeart/2005/8/colors/colorful1">
   <dgm:title val=""/>
   <dgm:desc val=""/>
   <dgm:catLst>
-    <dgm:cat type="mainScheme" pri="10300"/>
+    <dgm:cat type="colorful" pri="10100"/>
   </dgm:catLst>
   <dgm:styleLbl name="node0">
     <dgm:fillClrLst meth="repeat">
-      <a:schemeClr val="dk2"/>
+      <a:schemeClr val="accent1"/>
     </dgm:fillClrLst>
     <dgm:linClrLst meth="repeat">
-      <a:schemeClr val="lt2"/>
+      <a:schemeClr val="lt1"/>
     </dgm:linClrLst>
     <dgm:effectClrLst/>
     <dgm:txLinClrLst/>
     <dgm:txFillClrLst/>
     <dgm:txEffectClrLst/>
   </dgm:styleLbl>
-  <dgm:styleLbl name="alignNode1">
+  <dgm:styleLbl name="node1">
     <dgm:fillClrLst meth="repeat">
-      <a:schemeClr val="dk2"/>
+      <a:schemeClr val="accent2"/>
+      <a:schemeClr val="accent3"/>
+      <a:schemeClr val="accent4"/>
+      <a:schemeClr val="accent5"/>
+      <a:schemeClr val="accent6"/>
     </dgm:fillClrLst>
     <dgm:linClrLst meth="repeat">
-      <a:schemeClr val="dk2"/>
+      <a:schemeClr val="lt1"/>
     </dgm:linClrLst>
     <dgm:effectClrLst/>
     <dgm:txLinClrLst/>
     <dgm:txFillClrLst/>
     <dgm:txEffectClrLst/>
   </dgm:styleLbl>
-  <dgm:styleLbl name="node1">
+  <dgm:styleLbl name="alignNode1">
     <dgm:fillClrLst meth="repeat">
-      <a:schemeClr val="dk2"/>
+      <a:schemeClr val="accent2"/>
+      <a:schemeClr val="accent3"/>
+      <a:schemeClr val="accent4"/>
+      <a:schemeClr val="accent5"/>
+      <a:schemeClr val="accent6"/>
     </dgm:fillClrLst>
     <dgm:linClrLst meth="repeat">
-      <a:schemeClr val="lt2"/>
+      <a:schemeClr val="accent2"/>
+      <a:schemeClr val="accent3"/>
+      <a:schemeClr val="accent4"/>
+      <a:schemeClr val="accent5"/>
+      <a:schemeClr val="accent6"/>
     </dgm:linClrLst>
     <dgm:effectClrLst/>
     <dgm:txLinClrLst/>
@@ -3172,10 +3184,14 @@
   </dgm:styleLbl>
   <dgm:styleLbl name="lnNode1">
     <dgm:fillClrLst meth="repeat">
-      <a:schemeClr val="dk2"/>
+      <a:schemeClr val="accent2"/>
+      <a:schemeClr val="accent3"/>
+      <a:schemeClr val="accent4"/>
+      <a:schemeClr val="accent5"/>
+      <a:schemeClr val="accent6"/>
     </dgm:fillClrLst>
     <dgm:linClrLst meth="repeat">
-      <a:schemeClr val="lt2"/>
+      <a:schemeClr val="lt1"/>
     </dgm:linClrLst>
     <dgm:effectClrLst/>
     <dgm:txLinClrLst/>
@@ -3184,12 +3200,24 @@
   </dgm:styleLbl>
   <dgm:styleLbl name="vennNode1">
     <dgm:fillClrLst meth="repeat">
-      <a:schemeClr val="dk2">
+      <a:schemeClr val="accent2">
+        <a:alpha val="50000"/>
+      </a:schemeClr>
+      <a:schemeClr val="accent3">
+        <a:alpha val="50000"/>
+      </a:schemeClr>
+      <a:schemeClr val="accent4">
+        <a:alpha val="50000"/>
+      </a:schemeClr>
+      <a:schemeClr val="accent5">
+        <a:alpha val="50000"/>
+      </a:schemeClr>
+      <a:schemeClr val="accent6">
         <a:alpha val="50000"/>
       </a:schemeClr>
     </dgm:fillClrLst>
     <dgm:linClrLst meth="repeat">
-      <a:schemeClr val="lt2"/>
+      <a:schemeClr val="lt1"/>
     </dgm:linClrLst>
     <dgm:effectClrLst/>
     <dgm:txLinClrLst/>
@@ -3197,11 +3225,11 @@
     <dgm:txEffectClrLst/>
   </dgm:styleLbl>
   <dgm:styleLbl name="node2">
-    <dgm:fillClrLst meth="repeat">
-      <a:schemeClr val="dk2"/>
+    <dgm:fillClrLst>
+      <a:schemeClr val="accent2"/>
     </dgm:fillClrLst>
     <dgm:linClrLst meth="repeat">
-      <a:schemeClr val="lt2"/>
+      <a:schemeClr val="lt1"/>
     </dgm:linClrLst>
     <dgm:effectClrLst/>
     <dgm:txLinClrLst/>
@@ -3209,11 +3237,11 @@
     <dgm:txEffectClrLst/>
   </dgm:styleLbl>
   <dgm:styleLbl name="node3">
-    <dgm:fillClrLst meth="repeat">
-      <a:schemeClr val="dk2"/>
+    <dgm:fillClrLst>
+      <a:schemeClr val="accent3"/>
     </dgm:fillClrLst>
     <dgm:linClrLst meth="repeat">
-      <a:schemeClr val="lt2"/>
+      <a:schemeClr val="lt1"/>
     </dgm:linClrLst>
     <dgm:effectClrLst/>
     <dgm:txLinClrLst/>
@@ -3221,11 +3249,11 @@
     <dgm:txEffectClrLst/>
   </dgm:styleLbl>
   <dgm:styleLbl name="node4">
-    <dgm:fillClrLst meth="repeat">
-      <a:schemeClr val="dk2"/>
+    <dgm:fillClrLst>
+      <a:schemeClr val="accent4"/>
     </dgm:fillClrLst>
     <dgm:linClrLst meth="repeat">
-      <a:schemeClr val="lt2"/>
+      <a:schemeClr val="lt1"/>
     </dgm:linClrLst>
     <dgm:effectClrLst/>
     <dgm:txLinClrLst/>
@@ -3234,66 +3262,80 @@
   </dgm:styleLbl>
   <dgm:styleLbl name="fgImgPlace1">
     <dgm:fillClrLst meth="repeat">
-      <a:schemeClr val="dk2">
+      <a:schemeClr val="accent2">
+        <a:tint val="50000"/>
+      </a:schemeClr>
+      <a:schemeClr val="accent3">
+        <a:tint val="50000"/>
+      </a:schemeClr>
+      <a:schemeClr val="accent4">
+        <a:tint val="50000"/>
+      </a:schemeClr>
+      <a:schemeClr val="accent5">
+        <a:tint val="50000"/>
+      </a:schemeClr>
+      <a:schemeClr val="accent6">
         <a:tint val="50000"/>
       </a:schemeClr>
     </dgm:fillClrLst>
     <dgm:linClrLst meth="repeat">
-      <a:schemeClr val="lt2"/>
+      <a:schemeClr val="lt1"/>
     </dgm:linClrLst>
     <dgm:effectClrLst/>
     <dgm:txLinClrLst/>
     <dgm:txFillClrLst meth="repeat">
-      <a:schemeClr val="lt2"/>
+      <a:schemeClr val="lt1"/>
     </dgm:txFillClrLst>
     <dgm:txEffectClrLst/>
   </dgm:styleLbl>
   <dgm:styleLbl name="alignImgPlace1">
-    <dgm:fillClrLst meth="repeat">
-      <a:schemeClr val="dk2">
+    <dgm:fillClrLst>
+      <a:schemeClr val="accent1">
         <a:tint val="50000"/>
+      </a:schemeClr>
+      <a:schemeClr val="accent2">
+        <a:tint val="20000"/>
       </a:schemeClr>
     </dgm:fillClrLst>
     <dgm:linClrLst meth="repeat">
-      <a:schemeClr val="dk2">
-        <a:shade val="80000"/>
-      </a:schemeClr>
+      <a:schemeClr val="lt1"/>
     </dgm:linClrLst>
     <dgm:effectClrLst/>
     <dgm:txLinClrLst/>
     <dgm:txFillClrLst meth="repeat">
-      <a:schemeClr val="lt2"/>
+      <a:schemeClr val="lt1"/>
     </dgm:txFillClrLst>
     <dgm:txEffectClrLst/>
   </dgm:styleLbl>
   <dgm:styleLbl name="bgImgPlace1">
-    <dgm:fillClrLst meth="repeat">
-      <a:schemeClr val="dk2">
+    <dgm:fillClrLst>
+      <a:schemeClr val="accent1">
         <a:tint val="50000"/>
+      </a:schemeClr>
+      <a:schemeClr val="accent2">
+        <a:tint val="20000"/>
       </a:schemeClr>
     </dgm:fillClrLst>
     <dgm:linClrLst meth="repeat">
-      <a:schemeClr val="dk2">
-        <a:shade val="80000"/>
-      </a:schemeClr>
+      <a:schemeClr val="lt1"/>
     </dgm:linClrLst>
     <dgm:effectClrLst/>
     <dgm:txLinClrLst/>
     <dgm:txFillClrLst meth="repeat">
-      <a:schemeClr val="lt2"/>
+      <a:schemeClr val="lt1"/>
     </dgm:txFillClrLst>
     <dgm:txEffectClrLst/>
   </dgm:styleLbl>
   <dgm:styleLbl name="sibTrans2D1">
     <dgm:fillClrLst meth="repeat">
-      <a:schemeClr val="dk2">
-        <a:tint val="60000"/>
-      </a:schemeClr>
+      <a:schemeClr val="accent2"/>
+      <a:schemeClr val="accent3"/>
+      <a:schemeClr val="accent4"/>
+      <a:schemeClr val="accent5"/>
+      <a:schemeClr val="accent6"/>
     </dgm:fillClrLst>
-    <dgm:linClrLst meth="repeat">
-      <a:schemeClr val="dk2">
-        <a:tint val="60000"/>
-      </a:schemeClr>
+    <dgm:linClrLst meth="cycle">
+      <a:schemeClr val="lt1"/>
     </dgm:linClrLst>
     <dgm:effectClrLst/>
     <dgm:txLinClrLst/>
@@ -3302,193 +3344,69 @@
   </dgm:styleLbl>
   <dgm:styleLbl name="fgSibTrans2D1">
     <dgm:fillClrLst meth="repeat">
-      <a:schemeClr val="dk2">
-        <a:tint val="60000"/>
-      </a:schemeClr>
+      <a:schemeClr val="accent2"/>
+      <a:schemeClr val="accent3"/>
+      <a:schemeClr val="accent4"/>
+      <a:schemeClr val="accent5"/>
+      <a:schemeClr val="accent6"/>
     </dgm:fillClrLst>
-    <dgm:linClrLst meth="repeat">
-      <a:schemeClr val="dk2">
-        <a:tint val="60000"/>
-      </a:schemeClr>
-    </dgm:linClrLst>
-    <dgm:effectClrLst/>
-    <dgm:txLinClrLst/>
-    <dgm:txFillClrLst/>
-    <dgm:txEffectClrLst/>
-  </dgm:styleLbl>
-  <dgm:styleLbl name="bgSibTrans2D1">
-    <dgm:fillClrLst meth="repeat">
-      <a:schemeClr val="dk2">
-        <a:tint val="60000"/>
-      </a:schemeClr>
-    </dgm:fillClrLst>
-    <dgm:linClrLst meth="repeat">
-      <a:schemeClr val="dk2">
-        <a:tint val="60000"/>
-      </a:schemeClr>
-    </dgm:linClrLst>
-    <dgm:effectClrLst/>
-    <dgm:txLinClrLst/>
-    <dgm:txFillClrLst/>
-    <dgm:txEffectClrLst/>
-  </dgm:styleLbl>
-  <dgm:styleLbl name="sibTrans1D1">
-    <dgm:fillClrLst meth="repeat">
-      <a:schemeClr val="dk2"/>
-    </dgm:fillClrLst>
-    <dgm:linClrLst meth="repeat">
-      <a:schemeClr val="dk2"/>
+    <dgm:linClrLst meth="cycle">
+      <a:schemeClr val="lt1"/>
     </dgm:linClrLst>
     <dgm:effectClrLst/>
     <dgm:txLinClrLst/>
     <dgm:txFillClrLst meth="repeat">
-      <a:schemeClr val="lt2"/>
+      <a:schemeClr val="lt1"/>
     </dgm:txFillClrLst>
     <dgm:txEffectClrLst/>
   </dgm:styleLbl>
-  <dgm:styleLbl name="callout">
+  <dgm:styleLbl name="bgSibTrans2D1">
     <dgm:fillClrLst meth="repeat">
-      <a:schemeClr val="dk2"/>
+      <a:schemeClr val="accent2"/>
+      <a:schemeClr val="accent3"/>
+      <a:schemeClr val="accent4"/>
+      <a:schemeClr val="accent5"/>
+      <a:schemeClr val="accent6"/>
     </dgm:fillClrLst>
-    <dgm:linClrLst meth="repeat">
-      <a:schemeClr val="dk2">
-        <a:tint val="50000"/>
-      </a:schemeClr>
+    <dgm:linClrLst meth="cycle">
+      <a:schemeClr val="lt1"/>
     </dgm:linClrLst>
     <dgm:effectClrLst/>
     <dgm:txLinClrLst/>
     <dgm:txFillClrLst meth="repeat">
-      <a:schemeClr val="lt2"/>
+      <a:schemeClr val="lt1"/>
     </dgm:txFillClrLst>
     <dgm:txEffectClrLst/>
   </dgm:styleLbl>
-  <dgm:styleLbl name="asst0">
+  <dgm:styleLbl name="sibTrans1D1">
     <dgm:fillClrLst meth="repeat">
-      <a:schemeClr val="dk2"/>
+      <a:schemeClr val="accent2"/>
+      <a:schemeClr val="accent3"/>
+      <a:schemeClr val="accent4"/>
+      <a:schemeClr val="accent5"/>
+      <a:schemeClr val="accent6"/>
     </dgm:fillClrLst>
     <dgm:linClrLst meth="repeat">
-      <a:schemeClr val="lt2"/>
-    </dgm:linClrLst>
-    <dgm:effectClrLst/>
-    <dgm:txLinClrLst/>
-    <dgm:txFillClrLst/>
-    <dgm:txEffectClrLst/>
-  </dgm:styleLbl>
-  <dgm:styleLbl name="asst1">
-    <dgm:fillClrLst meth="repeat">
-      <a:schemeClr val="dk2"/>
-    </dgm:fillClrLst>
-    <dgm:linClrLst meth="repeat">
-      <a:schemeClr val="lt2"/>
-    </dgm:linClrLst>
-    <dgm:effectClrLst/>
-    <dgm:txLinClrLst/>
-    <dgm:txFillClrLst/>
-    <dgm:txEffectClrLst/>
-  </dgm:styleLbl>
-  <dgm:styleLbl name="asst2">
-    <dgm:fillClrLst meth="repeat">
-      <a:schemeClr val="dk2"/>
-    </dgm:fillClrLst>
-    <dgm:linClrLst meth="repeat">
-      <a:schemeClr val="lt2"/>
-    </dgm:linClrLst>
-    <dgm:effectClrLst/>
-    <dgm:txLinClrLst/>
-    <dgm:txFillClrLst/>
-    <dgm:txEffectClrLst/>
-  </dgm:styleLbl>
-  <dgm:styleLbl name="asst3">
-    <dgm:fillClrLst meth="repeat">
-      <a:schemeClr val="dk2"/>
-    </dgm:fillClrLst>
-    <dgm:linClrLst meth="repeat">
-      <a:schemeClr val="lt2"/>
-    </dgm:linClrLst>
-    <dgm:effectClrLst/>
-    <dgm:txLinClrLst/>
-    <dgm:txFillClrLst/>
-    <dgm:txEffectClrLst/>
-  </dgm:styleLbl>
-  <dgm:styleLbl name="asst4">
-    <dgm:fillClrLst meth="repeat">
-      <a:schemeClr val="dk2"/>
-    </dgm:fillClrLst>
-    <dgm:linClrLst meth="repeat">
-      <a:schemeClr val="lt2"/>
-    </dgm:linClrLst>
-    <dgm:effectClrLst/>
-    <dgm:txLinClrLst/>
-    <dgm:txFillClrLst/>
-    <dgm:txEffectClrLst/>
-  </dgm:styleLbl>
-  <dgm:styleLbl name="parChTrans2D1">
-    <dgm:fillClrLst meth="repeat">
-      <a:schemeClr val="dk2">
-        <a:tint val="60000"/>
-      </a:schemeClr>
-    </dgm:fillClrLst>
-    <dgm:linClrLst meth="repeat">
-      <a:schemeClr val="dk2">
-        <a:tint val="60000"/>
-      </a:schemeClr>
+      <a:schemeClr val="accent2"/>
+      <a:schemeClr val="accent3"/>
+      <a:schemeClr val="accent4"/>
+      <a:schemeClr val="accent5"/>
+      <a:schemeClr val="accent6"/>
     </dgm:linClrLst>
     <dgm:effectClrLst/>
     <dgm:txLinClrLst/>
     <dgm:txFillClrLst meth="repeat">
-      <a:schemeClr val="lt2"/>
+      <a:schemeClr val="tx1"/>
     </dgm:txFillClrLst>
     <dgm:txEffectClrLst/>
   </dgm:styleLbl>
-  <dgm:styleLbl name="parChTrans2D2">
+  <dgm:styleLbl name="callout">
     <dgm:fillClrLst meth="repeat">
-      <a:schemeClr val="dk2"/>
+      <a:schemeClr val="accent2"/>
     </dgm:fillClrLst>
     <dgm:linClrLst meth="repeat">
-      <a:schemeClr val="dk2"/>
-    </dgm:linClrLst>
-    <dgm:effectClrLst/>
-    <dgm:txLinClrLst/>
-    <dgm:txFillClrLst meth="repeat">
-      <a:schemeClr val="lt2"/>
-    </dgm:txFillClrLst>
-    <dgm:txEffectClrLst/>
-  </dgm:styleLbl>
-  <dgm:styleLbl name="parChTrans2D3">
-    <dgm:fillClrLst meth="repeat">
-      <a:schemeClr val="dk2"/>
-    </dgm:fillClrLst>
-    <dgm:linClrLst meth="repeat">
-      <a:schemeClr val="dk2"/>
-    </dgm:linClrLst>
-    <dgm:effectClrLst/>
-    <dgm:txLinClrLst/>
-    <dgm:txFillClrLst meth="repeat">
-      <a:schemeClr val="lt2"/>
-    </dgm:txFillClrLst>
-    <dgm:txEffectClrLst/>
-  </dgm:styleLbl>
-  <dgm:styleLbl name="parChTrans2D4">
-    <dgm:fillClrLst meth="repeat">
-      <a:schemeClr val="dk2"/>
-    </dgm:fillClrLst>
-    <dgm:linClrLst meth="repeat">
-      <a:schemeClr val="dk2"/>
-    </dgm:linClrLst>
-    <dgm:effectClrLst/>
-    <dgm:txLinClrLst/>
-    <dgm:txFillClrLst meth="repeat">
-      <a:schemeClr val="lt2"/>
-    </dgm:txFillClrLst>
-    <dgm:txEffectClrLst/>
-  </dgm:styleLbl>
-  <dgm:styleLbl name="parChTrans1D1">
-    <dgm:fillClrLst meth="repeat">
-      <a:schemeClr val="dk2"/>
-    </dgm:fillClrLst>
-    <dgm:linClrLst meth="repeat">
-      <a:schemeClr val="dk2">
-        <a:shade val="60000"/>
+      <a:schemeClr val="accent2">
+        <a:tint val="50000"/>
       </a:schemeClr>
     </dgm:linClrLst>
     <dgm:effectClrLst/>
@@ -3498,14 +3416,124 @@
     </dgm:txFillClrLst>
     <dgm:txEffectClrLst/>
   </dgm:styleLbl>
-  <dgm:styleLbl name="parChTrans1D2">
+  <dgm:styleLbl name="asst0">
     <dgm:fillClrLst meth="repeat">
-      <a:schemeClr val="dk2"/>
+      <a:schemeClr val="accent1"/>
     </dgm:fillClrLst>
     <dgm:linClrLst meth="repeat">
-      <a:schemeClr val="dk2">
-        <a:shade val="60000"/>
-      </a:schemeClr>
+      <a:schemeClr val="lt1"/>
+    </dgm:linClrLst>
+    <dgm:effectClrLst/>
+    <dgm:txLinClrLst/>
+    <dgm:txFillClrLst/>
+    <dgm:txEffectClrLst/>
+  </dgm:styleLbl>
+  <dgm:styleLbl name="asst1">
+    <dgm:fillClrLst meth="repeat">
+      <a:schemeClr val="accent2"/>
+    </dgm:fillClrLst>
+    <dgm:linClrLst meth="repeat">
+      <a:schemeClr val="lt1"/>
+    </dgm:linClrLst>
+    <dgm:effectClrLst/>
+    <dgm:txLinClrLst/>
+    <dgm:txFillClrLst/>
+    <dgm:txEffectClrLst/>
+  </dgm:styleLbl>
+  <dgm:styleLbl name="asst2">
+    <dgm:fillClrLst>
+      <a:schemeClr val="accent3"/>
+    </dgm:fillClrLst>
+    <dgm:linClrLst meth="repeat">
+      <a:schemeClr val="lt1"/>
+    </dgm:linClrLst>
+    <dgm:effectClrLst/>
+    <dgm:txLinClrLst/>
+    <dgm:txFillClrLst/>
+    <dgm:txEffectClrLst/>
+  </dgm:styleLbl>
+  <dgm:styleLbl name="asst3">
+    <dgm:fillClrLst>
+      <a:schemeClr val="accent4"/>
+    </dgm:fillClrLst>
+    <dgm:linClrLst meth="repeat">
+      <a:schemeClr val="lt1"/>
+    </dgm:linClrLst>
+    <dgm:effectClrLst/>
+    <dgm:txLinClrLst/>
+    <dgm:txFillClrLst/>
+    <dgm:txEffectClrLst/>
+  </dgm:styleLbl>
+  <dgm:styleLbl name="asst4">
+    <dgm:fillClrLst>
+      <a:schemeClr val="accent5"/>
+    </dgm:fillClrLst>
+    <dgm:linClrLst meth="repeat">
+      <a:schemeClr val="lt1"/>
+    </dgm:linClrLst>
+    <dgm:effectClrLst/>
+    <dgm:txLinClrLst/>
+    <dgm:txFillClrLst/>
+    <dgm:txEffectClrLst/>
+  </dgm:styleLbl>
+  <dgm:styleLbl name="parChTrans2D1">
+    <dgm:fillClrLst meth="repeat">
+      <a:schemeClr val="accent2"/>
+    </dgm:fillClrLst>
+    <dgm:linClrLst meth="repeat">
+      <a:schemeClr val="lt1"/>
+    </dgm:linClrLst>
+    <dgm:effectClrLst/>
+    <dgm:txLinClrLst/>
+    <dgm:txFillClrLst meth="repeat">
+      <a:schemeClr val="lt1"/>
+    </dgm:txFillClrLst>
+    <dgm:txEffectClrLst/>
+  </dgm:styleLbl>
+  <dgm:styleLbl name="parChTrans2D2">
+    <dgm:fillClrLst meth="repeat">
+      <a:schemeClr val="accent3"/>
+    </dgm:fillClrLst>
+    <dgm:linClrLst meth="repeat">
+      <a:schemeClr val="lt1"/>
+    </dgm:linClrLst>
+    <dgm:effectClrLst/>
+    <dgm:txLinClrLst/>
+    <dgm:txFillClrLst/>
+    <dgm:txEffectClrLst/>
+  </dgm:styleLbl>
+  <dgm:styleLbl name="parChTrans2D3">
+    <dgm:fillClrLst meth="repeat">
+      <a:schemeClr val="accent4"/>
+    </dgm:fillClrLst>
+    <dgm:linClrLst meth="repeat">
+      <a:schemeClr val="lt1"/>
+    </dgm:linClrLst>
+    <dgm:effectClrLst/>
+    <dgm:txLinClrLst/>
+    <dgm:txFillClrLst/>
+    <dgm:txEffectClrLst/>
+  </dgm:styleLbl>
+  <dgm:styleLbl name="parChTrans2D4">
+    <dgm:fillClrLst meth="repeat">
+      <a:schemeClr val="accent5"/>
+    </dgm:fillClrLst>
+    <dgm:linClrLst meth="repeat">
+      <a:schemeClr val="lt1"/>
+    </dgm:linClrLst>
+    <dgm:effectClrLst/>
+    <dgm:txLinClrLst/>
+    <dgm:txFillClrLst meth="repeat">
+      <a:schemeClr val="lt1"/>
+    </dgm:txFillClrLst>
+    <dgm:txEffectClrLst/>
+  </dgm:styleLbl>
+  <dgm:styleLbl name="parChTrans1D1">
+    <dgm:fillClrLst meth="repeat">
+      <a:schemeClr val="accent2"/>
+    </dgm:fillClrLst>
+    <dgm:linClrLst meth="repeat">
+      <a:schemeClr val="accent1"/>
     </dgm:linClrLst>
     <dgm:effectClrLst/>
     <dgm:txLinClrLst/>
@@ -3514,14 +3542,14 @@
     </dgm:txFillClrLst>
     <dgm:txEffectClrLst/>
   </dgm:styleLbl>
-  <dgm:styleLbl name="parChTrans1D3">
+  <dgm:styleLbl name="parChTrans1D2">
     <dgm:fillClrLst meth="repeat">
-      <a:schemeClr val="dk2"/>
+      <a:schemeClr val="accent3">
+        <a:tint val="90000"/>
+      </a:schemeClr>
     </dgm:fillClrLst>
     <dgm:linClrLst meth="repeat">
-      <a:schemeClr val="dk2">
-        <a:shade val="80000"/>
-      </a:schemeClr>
+      <a:schemeClr val="accent2"/>
     </dgm:linClrLst>
     <dgm:effectClrLst/>
     <dgm:txLinClrLst/>
@@ -3530,14 +3558,14 @@
     </dgm:txFillClrLst>
     <dgm:txEffectClrLst/>
   </dgm:styleLbl>
-  <dgm:styleLbl name="parChTrans1D4">
+  <dgm:styleLbl name="parChTrans1D3">
     <dgm:fillClrLst meth="repeat">
-      <a:schemeClr val="dk2"/>
+      <a:schemeClr val="accent4">
+        <a:tint val="70000"/>
+      </a:schemeClr>
     </dgm:fillClrLst>
     <dgm:linClrLst meth="repeat">
-      <a:schemeClr val="dk2">
-        <a:shade val="80000"/>
-      </a:schemeClr>
+      <a:schemeClr val="accent3"/>
     </dgm:linClrLst>
     <dgm:effectClrLst/>
     <dgm:txLinClrLst/>
@@ -3546,14 +3574,34 @@
     </dgm:txFillClrLst>
     <dgm:txEffectClrLst/>
   </dgm:styleLbl>
+  <dgm:styleLbl name="parChTrans1D4">
+    <dgm:fillClrLst meth="repeat">
+      <a:schemeClr val="accent5">
+        <a:tint val="50000"/>
+      </a:schemeClr>
+    </dgm:fillClrLst>
+    <dgm:linClrLst meth="repeat">
+      <a:schemeClr val="accent4"/>
+    </dgm:linClrLst>
+    <dgm:effectClrLst/>
+    <dgm:txLinClrLst/>
+    <dgm:txFillClrLst meth="repeat">
+      <a:schemeClr val="tx1"/>
+    </dgm:txFillClrLst>
+    <dgm:txEffectClrLst/>
+  </dgm:styleLbl>
   <dgm:styleLbl name="fgAcc1">
     <dgm:fillClrLst meth="repeat">
-      <a:schemeClr val="lt2">
+      <a:schemeClr val="lt1">
         <a:alpha val="90000"/>
       </a:schemeClr>
     </dgm:fillClrLst>
     <dgm:linClrLst meth="repeat">
-      <a:schemeClr val="dk2"/>
+      <a:schemeClr val="accent2"/>
+      <a:schemeClr val="accent3"/>
+      <a:schemeClr val="accent4"/>
+      <a:schemeClr val="accent5"/>
+      <a:schemeClr val="accent6"/>
     </dgm:linClrLst>
     <dgm:effectClrLst/>
     <dgm:txLinClrLst/>
@@ -3564,12 +3612,16 @@
   </dgm:styleLbl>
   <dgm:styleLbl name="conFgAcc1">
     <dgm:fillClrLst meth="repeat">
-      <a:schemeClr val="lt2">
+      <a:schemeClr val="lt1">
         <a:alpha val="90000"/>
       </a:schemeClr>
     </dgm:fillClrLst>
     <dgm:linClrLst meth="repeat">
-      <a:schemeClr val="dk2"/>
+      <a:schemeClr val="accent2"/>
+      <a:schemeClr val="accent3"/>
+      <a:schemeClr val="accent4"/>
+      <a:schemeClr val="accent5"/>
+      <a:schemeClr val="accent6"/>
     </dgm:linClrLst>
     <dgm:effectClrLst/>
     <dgm:txLinClrLst/>
@@ -3580,12 +3632,16 @@
   </dgm:styleLbl>
   <dgm:styleLbl name="alignAcc1">
     <dgm:fillClrLst meth="repeat">
-      <a:schemeClr val="lt2">
+      <a:schemeClr val="lt1">
         <a:alpha val="90000"/>
       </a:schemeClr>
     </dgm:fillClrLst>
     <dgm:linClrLst meth="repeat">
-      <a:schemeClr val="dk2"/>
+      <a:schemeClr val="accent2"/>
+      <a:schemeClr val="accent3"/>
+      <a:schemeClr val="accent4"/>
+      <a:schemeClr val="accent5"/>
+      <a:schemeClr val="accent6"/>
     </dgm:linClrLst>
     <dgm:effectClrLst/>
     <dgm:txLinClrLst/>
@@ -3596,12 +3652,12 @@
   </dgm:styleLbl>
   <dgm:styleLbl name="trAlignAcc1">
     <dgm:fillClrLst meth="repeat">
-      <a:schemeClr val="lt2">
+      <a:schemeClr val="lt1">
         <a:alpha val="40000"/>
       </a:schemeClr>
     </dgm:fillClrLst>
     <dgm:linClrLst meth="repeat">
-      <a:schemeClr val="dk2"/>
+      <a:schemeClr val="accent1"/>
     </dgm:linClrLst>
     <dgm:effectClrLst/>
     <dgm:txLinClrLst/>
@@ -3612,12 +3668,16 @@
   </dgm:styleLbl>
   <dgm:styleLbl name="bgAcc1">
     <dgm:fillClrLst meth="repeat">
-      <a:schemeClr val="lt2">
+      <a:schemeClr val="lt1">
         <a:alpha val="90000"/>
       </a:schemeClr>
     </dgm:fillClrLst>
     <dgm:linClrLst meth="repeat">
-      <a:schemeClr val="dk2"/>
+      <a:schemeClr val="accent2"/>
+      <a:schemeClr val="accent3"/>
+      <a:schemeClr val="accent4"/>
+      <a:schemeClr val="accent5"/>
+      <a:schemeClr val="accent6"/>
     </dgm:linClrLst>
     <dgm:effectClrLst/>
     <dgm:txLinClrLst/>
@@ -3628,10 +3688,14 @@
   </dgm:styleLbl>
   <dgm:styleLbl name="solidFgAcc1">
     <dgm:fillClrLst meth="repeat">
-      <a:schemeClr val="lt2"/>
+      <a:schemeClr val="lt1"/>
     </dgm:fillClrLst>
     <dgm:linClrLst meth="repeat">
-      <a:schemeClr val="dk2"/>
+      <a:schemeClr val="accent2"/>
+      <a:schemeClr val="accent3"/>
+      <a:schemeClr val="accent4"/>
+      <a:schemeClr val="accent5"/>
+      <a:schemeClr val="accent6"/>
     </dgm:linClrLst>
     <dgm:effectClrLst/>
     <dgm:txLinClrLst/>
@@ -3642,10 +3706,14 @@
   </dgm:styleLbl>
   <dgm:styleLbl name="solidAlignAcc1">
     <dgm:fillClrLst meth="repeat">
-      <a:schemeClr val="lt2"/>
+      <a:schemeClr val="lt1"/>
     </dgm:fillClrLst>
     <dgm:linClrLst meth="repeat">
-      <a:schemeClr val="dk2"/>
+      <a:schemeClr val="accent2"/>
+      <a:schemeClr val="accent3"/>
+      <a:schemeClr val="accent4"/>
+      <a:schemeClr val="accent5"/>
+      <a:schemeClr val="accent6"/>
     </dgm:linClrLst>
     <dgm:effectClrLst/>
     <dgm:txLinClrLst/>
@@ -3656,10 +3724,14 @@
   </dgm:styleLbl>
   <dgm:styleLbl name="solidBgAcc1">
     <dgm:fillClrLst meth="repeat">
-      <a:schemeClr val="lt2"/>
+      <a:schemeClr val="lt1"/>
     </dgm:fillClrLst>
     <dgm:linClrLst meth="repeat">
-      <a:schemeClr val="dk2"/>
+      <a:schemeClr val="accent2"/>
+      <a:schemeClr val="accent3"/>
+      <a:schemeClr val="accent4"/>
+      <a:schemeClr val="accent5"/>
+      <a:schemeClr val="accent6"/>
     </dgm:linClrLst>
     <dgm:effectClrLst/>
     <dgm:txLinClrLst/>
@@ -3670,15 +3742,47 @@
   </dgm:styleLbl>
   <dgm:styleLbl name="fgAccFollowNode1">
     <dgm:fillClrLst meth="repeat">
-      <a:schemeClr val="dk2">
+      <a:schemeClr val="accent2">
+        <a:tint val="40000"/>
         <a:alpha val="90000"/>
+      </a:schemeClr>
+      <a:schemeClr val="accent3">
         <a:tint val="40000"/>
+        <a:alpha val="90000"/>
+      </a:schemeClr>
+      <a:schemeClr val="accent4">
+        <a:tint val="40000"/>
+        <a:alpha val="90000"/>
+      </a:schemeClr>
+      <a:schemeClr val="accent5">
+        <a:tint val="40000"/>
+        <a:alpha val="90000"/>
+      </a:schemeClr>
+      <a:schemeClr val="accent6">
+        <a:tint val="40000"/>
+        <a:alpha val="90000"/>
       </a:schemeClr>
     </dgm:fillClrLst>
     <dgm:linClrLst meth="repeat">
-      <a:schemeClr val="dk2">
+      <a:schemeClr val="accent2">
+        <a:tint val="40000"/>
         <a:alpha val="90000"/>
+      </a:schemeClr>
+      <a:schemeClr val="accent3">
         <a:tint val="40000"/>
+        <a:alpha val="90000"/>
+      </a:schemeClr>
+      <a:schemeClr val="accent4">
+        <a:tint val="40000"/>
+        <a:alpha val="90000"/>
+      </a:schemeClr>
+      <a:schemeClr val="accent5">
+        <a:tint val="40000"/>
+        <a:alpha val="90000"/>
+      </a:schemeClr>
+      <a:schemeClr val="accent6">
+        <a:tint val="40000"/>
+        <a:alpha val="90000"/>
       </a:schemeClr>
     </dgm:linClrLst>
     <dgm:effectClrLst/>
@@ -3690,15 +3794,47 @@
   </dgm:styleLbl>
   <dgm:styleLbl name="alignAccFollowNode1">
     <dgm:fillClrLst meth="repeat">
-      <a:schemeClr val="dk2">
+      <a:schemeClr val="accent2">
+        <a:tint val="40000"/>
         <a:alpha val="90000"/>
+      </a:schemeClr>
+      <a:schemeClr val="accent3">
         <a:tint val="40000"/>
+        <a:alpha val="90000"/>
+      </a:schemeClr>
+      <a:schemeClr val="accent4">
+        <a:tint val="40000"/>
+        <a:alpha val="90000"/>
+      </a:schemeClr>
+      <a:schemeClr val="accent5">
+        <a:tint val="40000"/>
+        <a:alpha val="90000"/>
+      </a:schemeClr>
+      <a:schemeClr val="accent6">
+        <a:tint val="40000"/>
+        <a:alpha val="90000"/>
       </a:schemeClr>
     </dgm:fillClrLst>
     <dgm:linClrLst meth="repeat">
-      <a:schemeClr val="dk2">
+      <a:schemeClr val="accent2">
+        <a:tint val="40000"/>
         <a:alpha val="90000"/>
+      </a:schemeClr>
+      <a:schemeClr val="accent3">
         <a:tint val="40000"/>
+        <a:alpha val="90000"/>
+      </a:schemeClr>
+      <a:schemeClr val="accent4">
+        <a:tint val="40000"/>
+        <a:alpha val="90000"/>
+      </a:schemeClr>
+      <a:schemeClr val="accent5">
+        <a:tint val="40000"/>
+        <a:alpha val="90000"/>
+      </a:schemeClr>
+      <a:schemeClr val="accent6">
+        <a:tint val="40000"/>
+        <a:alpha val="90000"/>
       </a:schemeClr>
     </dgm:linClrLst>
     <dgm:effectClrLst/>
@@ -3710,15 +3846,47 @@
   </dgm:styleLbl>
   <dgm:styleLbl name="bgAccFollowNode1">
     <dgm:fillClrLst meth="repeat">
-      <a:schemeClr val="dk2">
+      <a:schemeClr val="accent2">
+        <a:tint val="40000"/>
         <a:alpha val="90000"/>
+      </a:schemeClr>
+      <a:schemeClr val="accent3">
         <a:tint val="40000"/>
+        <a:alpha val="90000"/>
+      </a:schemeClr>
+      <a:schemeClr val="accent4">
+        <a:tint val="40000"/>
+        <a:alpha val="90000"/>
+      </a:schemeClr>
+      <a:schemeClr val="accent5">
+        <a:tint val="40000"/>
+        <a:alpha val="90000"/>
+      </a:schemeClr>
+      <a:schemeClr val="accent6">
+        <a:tint val="40000"/>
+        <a:alpha val="90000"/>
       </a:schemeClr>
     </dgm:fillClrLst>
     <dgm:linClrLst meth="repeat">
-      <a:schemeClr val="dk2">
+      <a:schemeClr val="accent2">
+        <a:tint val="40000"/>
         <a:alpha val="90000"/>
+      </a:schemeClr>
+      <a:schemeClr val="accent3">
         <a:tint val="40000"/>
+        <a:alpha val="90000"/>
+      </a:schemeClr>
+      <a:schemeClr val="accent4">
+        <a:tint val="40000"/>
+        <a:alpha val="90000"/>
+      </a:schemeClr>
+      <a:schemeClr val="accent5">
+        <a:tint val="40000"/>
+        <a:alpha val="90000"/>
+      </a:schemeClr>
+      <a:schemeClr val="accent6">
+        <a:tint val="40000"/>
+        <a:alpha val="90000"/>
       </a:schemeClr>
     </dgm:linClrLst>
     <dgm:effectClrLst/>
@@ -3730,12 +3898,12 @@
   </dgm:styleLbl>
   <dgm:styleLbl name="fgAcc0">
     <dgm:fillClrLst meth="repeat">
-      <a:schemeClr val="lt2">
+      <a:schemeClr val="lt1">
         <a:alpha val="90000"/>
       </a:schemeClr>
     </dgm:fillClrLst>
-    <dgm:linClrLst meth="repeat">
-      <a:schemeClr val="dk2"/>
+    <dgm:linClrLst>
+      <a:schemeClr val="accent1"/>
     </dgm:linClrLst>
     <dgm:effectClrLst/>
     <dgm:txLinClrLst/>
@@ -3746,12 +3914,12 @@
   </dgm:styleLbl>
   <dgm:styleLbl name="fgAcc2">
     <dgm:fillClrLst meth="repeat">
-      <a:schemeClr val="lt2">
+      <a:schemeClr val="lt1">
         <a:alpha val="90000"/>
       </a:schemeClr>
     </dgm:fillClrLst>
-    <dgm:linClrLst meth="repeat">
-      <a:schemeClr val="dk2"/>
+    <dgm:linClrLst>
+      <a:schemeClr val="accent2"/>
     </dgm:linClrLst>
     <dgm:effectClrLst/>
     <dgm:txLinClrLst/>
@@ -3762,12 +3930,12 @@
   </dgm:styleLbl>
   <dgm:styleLbl name="fgAcc3">
     <dgm:fillClrLst meth="repeat">
-      <a:schemeClr val="lt2">
+      <a:schemeClr val="lt1">
         <a:alpha val="90000"/>
       </a:schemeClr>
     </dgm:fillClrLst>
-    <dgm:linClrLst meth="repeat">
-      <a:schemeClr val="dk2"/>
+    <dgm:linClrLst>
+      <a:schemeClr val="accent3"/>
     </dgm:linClrLst>
     <dgm:effectClrLst/>
     <dgm:txLinClrLst/>
@@ -3778,12 +3946,12 @@
   </dgm:styleLbl>
   <dgm:styleLbl name="fgAcc4">
     <dgm:fillClrLst meth="repeat">
-      <a:schemeClr val="lt2">
+      <a:schemeClr val="lt1">
         <a:alpha val="90000"/>
       </a:schemeClr>
     </dgm:fillClrLst>
-    <dgm:linClrLst meth="repeat">
-      <a:schemeClr val="dk2"/>
+    <dgm:linClrLst>
+      <a:schemeClr val="accent4"/>
     </dgm:linClrLst>
     <dgm:effectClrLst/>
     <dgm:txLinClrLst/>
@@ -3794,12 +3962,12 @@
   </dgm:styleLbl>
   <dgm:styleLbl name="bgShp">
     <dgm:fillClrLst meth="repeat">
-      <a:schemeClr val="dk2">
+      <a:schemeClr val="accent2">
         <a:tint val="40000"/>
       </a:schemeClr>
     </dgm:fillClrLst>
     <dgm:linClrLst meth="repeat">
-      <a:schemeClr val="dk2"/>
+      <a:schemeClr val="dk1"/>
     </dgm:linClrLst>
     <dgm:effectClrLst/>
     <dgm:txLinClrLst/>
@@ -3810,12 +3978,12 @@
   </dgm:styleLbl>
   <dgm:styleLbl name="dkBgShp">
     <dgm:fillClrLst meth="repeat">
-      <a:schemeClr val="dk2">
-        <a:shade val="80000"/>
+      <a:schemeClr val="accent2">
+        <a:shade val="90000"/>
       </a:schemeClr>
     </dgm:fillClrLst>
     <dgm:linClrLst meth="repeat">
-      <a:schemeClr val="dk2"/>
+      <a:schemeClr val="dk1"/>
     </dgm:linClrLst>
     <dgm:effectClrLst/>
     <dgm:txLinClrLst/>
@@ -3826,13 +3994,13 @@
   </dgm:styleLbl>
   <dgm:styleLbl name="trBgShp">
     <dgm:fillClrLst meth="repeat">
-      <a:schemeClr val="dk2">
+      <a:schemeClr val="accent1">
         <a:tint val="50000"/>
         <a:alpha val="40000"/>
       </a:schemeClr>
     </dgm:fillClrLst>
     <dgm:linClrLst meth="repeat">
-      <a:schemeClr val="dk2"/>
+      <a:schemeClr val="accent2"/>
     </dgm:linClrLst>
     <dgm:effectClrLst/>
     <dgm:txLinClrLst/>
@@ -3843,12 +4011,12 @@
   </dgm:styleLbl>
   <dgm:styleLbl name="fgShp">
     <dgm:fillClrLst meth="repeat">
-      <a:schemeClr val="dk2">
-        <a:tint val="60000"/>
+      <a:schemeClr val="accent2">
+        <a:tint val="40000"/>
       </a:schemeClr>
     </dgm:fillClrLst>
     <dgm:linClrLst meth="repeat">
-      <a:schemeClr val="lt2"/>
+      <a:schemeClr val="lt1"/>
     </dgm:linClrLst>
     <dgm:effectClrLst/>
     <dgm:txLinClrLst/>
@@ -3859,7 +4027,7 @@
   </dgm:styleLbl>
   <dgm:styleLbl name="revTx">
     <dgm:fillClrLst meth="repeat">
-      <a:schemeClr val="lt2">
+      <a:schemeClr val="lt1">
         <a:alpha val="0"/>
       </a:schemeClr>
     </dgm:fillClrLst>
@@ -5583,7 +5751,7 @@
 <dgm:dataModel xmlns:dgm="http://schemas.openxmlformats.org/drawingml/2006/diagram" xmlns:a="http://schemas.openxmlformats.org/drawingml/2006/main">
   <dgm:ptLst>
     <dgm:pt modelId="{1AC8D6D4-4C11-4DED-8AB3-9DBFD114239D}" type="doc">
-      <dgm:prSet loTypeId="urn:microsoft.com/office/officeart/2005/8/layout/vList2" loCatId="list" qsTypeId="urn:microsoft.com/office/officeart/2005/8/quickstyle/simple1" qsCatId="simple" csTypeId="urn:microsoft.com/office/officeart/2005/8/colors/accent0_3" csCatId="mainScheme"/>
+      <dgm:prSet loTypeId="urn:microsoft.com/office/officeart/2008/layout/LinedList" loCatId="list" qsTypeId="urn:microsoft.com/office/officeart/2005/8/quickstyle/simple2" qsCatId="simple" csTypeId="urn:microsoft.com/office/officeart/2005/8/colors/colorful1" csCatId="colorful"/>
       <dgm:spPr/>
       <dgm:t>
         <a:bodyPr/>
@@ -5737,87 +5905,113 @@
         </a:p>
       </dgm:t>
     </dgm:pt>
-    <dgm:pt modelId="{9C355F63-48FD-DA4B-B94A-6E1AEF3FD384}" type="pres">
-      <dgm:prSet presAssocID="{1AC8D6D4-4C11-4DED-8AB3-9DBFD114239D}" presName="linear" presStyleCnt="0">
+    <dgm:pt modelId="{0FD51703-FD4E-1146-85F8-765D05E55D4A}" type="pres">
+      <dgm:prSet presAssocID="{1AC8D6D4-4C11-4DED-8AB3-9DBFD114239D}" presName="vert0" presStyleCnt="0">
         <dgm:presLayoutVars>
+          <dgm:dir/>
+          <dgm:animOne val="branch"/>
           <dgm:animLvl val="lvl"/>
-          <dgm:resizeHandles val="exact"/>
         </dgm:presLayoutVars>
       </dgm:prSet>
       <dgm:spPr/>
     </dgm:pt>
-    <dgm:pt modelId="{7D7A1E5C-BBD7-A143-BF20-C5E2B4731F59}" type="pres">
-      <dgm:prSet presAssocID="{EC09DAFF-4627-4944-87CE-8C8494737DBD}" presName="parentText" presStyleLbl="node1" presStyleIdx="0" presStyleCnt="4">
-        <dgm:presLayoutVars>
-          <dgm:chMax val="0"/>
-          <dgm:bulletEnabled val="1"/>
-        </dgm:presLayoutVars>
-      </dgm:prSet>
+    <dgm:pt modelId="{0DDDDE54-F5F3-DA43-AC42-D334B9A8A95F}" type="pres">
+      <dgm:prSet presAssocID="{EC09DAFF-4627-4944-87CE-8C8494737DBD}" presName="thickLine" presStyleLbl="alignNode1" presStyleIdx="0" presStyleCnt="4"/>
       <dgm:spPr/>
     </dgm:pt>
-    <dgm:pt modelId="{8D4B8AE0-CCF9-974A-AE32-91B2F920F58E}" type="pres">
-      <dgm:prSet presAssocID="{610B9725-AF7A-4432-8334-975F08F1EDC7}" presName="spacer" presStyleCnt="0"/>
+    <dgm:pt modelId="{52A81764-A4A8-7C4C-9F27-780575F5E31E}" type="pres">
+      <dgm:prSet presAssocID="{EC09DAFF-4627-4944-87CE-8C8494737DBD}" presName="horz1" presStyleCnt="0"/>
       <dgm:spPr/>
     </dgm:pt>
-    <dgm:pt modelId="{45FB97B8-DB8E-FB4B-A433-41F4BCADF3C3}" type="pres">
-      <dgm:prSet presAssocID="{62D3E52F-4C49-463E-8386-8B2C4A6EF43B}" presName="parentText" presStyleLbl="node1" presStyleIdx="1" presStyleCnt="4">
-        <dgm:presLayoutVars>
-          <dgm:chMax val="0"/>
-          <dgm:bulletEnabled val="1"/>
-        </dgm:presLayoutVars>
-      </dgm:prSet>
+    <dgm:pt modelId="{670611E2-B2AF-CA45-AAF8-FA6AA102543B}" type="pres">
+      <dgm:prSet presAssocID="{EC09DAFF-4627-4944-87CE-8C8494737DBD}" presName="tx1" presStyleLbl="revTx" presStyleIdx="0" presStyleCnt="4"/>
       <dgm:spPr/>
     </dgm:pt>
-    <dgm:pt modelId="{91020535-8C87-E143-BD9D-2CC38C9F8AB7}" type="pres">
-      <dgm:prSet presAssocID="{9AD41284-7A0C-4CA9-B754-EBC2F295C6E2}" presName="spacer" presStyleCnt="0"/>
+    <dgm:pt modelId="{4A0B39A1-9B95-E849-A13D-B0EF309CA8DF}" type="pres">
+      <dgm:prSet presAssocID="{EC09DAFF-4627-4944-87CE-8C8494737DBD}" presName="vert1" presStyleCnt="0"/>
       <dgm:spPr/>
     </dgm:pt>
-    <dgm:pt modelId="{87950408-5CE8-894D-B5B7-ECB4661FEDBD}" type="pres">
-      <dgm:prSet presAssocID="{81454776-F260-4432-B5D9-2D32CFD79622}" presName="parentText" presStyleLbl="node1" presStyleIdx="2" presStyleCnt="4">
-        <dgm:presLayoutVars>
-          <dgm:chMax val="0"/>
-          <dgm:bulletEnabled val="1"/>
-        </dgm:presLayoutVars>
-      </dgm:prSet>
+    <dgm:pt modelId="{48FF327F-83F0-CB4C-9842-EA70726147F7}" type="pres">
+      <dgm:prSet presAssocID="{62D3E52F-4C49-463E-8386-8B2C4A6EF43B}" presName="thickLine" presStyleLbl="alignNode1" presStyleIdx="1" presStyleCnt="4"/>
       <dgm:spPr/>
     </dgm:pt>
-    <dgm:pt modelId="{FB1D2F67-1FEA-FC4C-9BC7-DF777A4D7FF8}" type="pres">
-      <dgm:prSet presAssocID="{84707650-9563-4D0F-9493-F3387A5CF472}" presName="spacer" presStyleCnt="0"/>
+    <dgm:pt modelId="{7285FDD4-7645-5A4B-94A0-176FA64A3133}" type="pres">
+      <dgm:prSet presAssocID="{62D3E52F-4C49-463E-8386-8B2C4A6EF43B}" presName="horz1" presStyleCnt="0"/>
       <dgm:spPr/>
     </dgm:pt>
-    <dgm:pt modelId="{659B29D6-1056-FE43-8FA1-5EA0B33C40EE}" type="pres">
-      <dgm:prSet presAssocID="{DD6D0C9F-D1E9-429D-A965-3571E6554305}" presName="parentText" presStyleLbl="node1" presStyleIdx="3" presStyleCnt="4">
-        <dgm:presLayoutVars>
-          <dgm:chMax val="0"/>
-          <dgm:bulletEnabled val="1"/>
-        </dgm:presLayoutVars>
-      </dgm:prSet>
+    <dgm:pt modelId="{2DFAB45F-74CA-2643-80A8-938D47F5BF3F}" type="pres">
+      <dgm:prSet presAssocID="{62D3E52F-4C49-463E-8386-8B2C4A6EF43B}" presName="tx1" presStyleLbl="revTx" presStyleIdx="1" presStyleCnt="4"/>
+      <dgm:spPr/>
+    </dgm:pt>
+    <dgm:pt modelId="{E1CBCE7B-D0EC-7E42-B31B-01C79523B383}" type="pres">
+      <dgm:prSet presAssocID="{62D3E52F-4C49-463E-8386-8B2C4A6EF43B}" presName="vert1" presStyleCnt="0"/>
+      <dgm:spPr/>
+    </dgm:pt>
+    <dgm:pt modelId="{0150EFE2-BD80-0F41-9AF8-C90A23613294}" type="pres">
+      <dgm:prSet presAssocID="{81454776-F260-4432-B5D9-2D32CFD79622}" presName="thickLine" presStyleLbl="alignNode1" presStyleIdx="2" presStyleCnt="4"/>
+      <dgm:spPr/>
+    </dgm:pt>
+    <dgm:pt modelId="{4A7229AC-DF19-6B47-942C-200F6E2CA356}" type="pres">
+      <dgm:prSet presAssocID="{81454776-F260-4432-B5D9-2D32CFD79622}" presName="horz1" presStyleCnt="0"/>
+      <dgm:spPr/>
+    </dgm:pt>
+    <dgm:pt modelId="{019F1AA2-0972-C94A-8715-DED67FC6159F}" type="pres">
+      <dgm:prSet presAssocID="{81454776-F260-4432-B5D9-2D32CFD79622}" presName="tx1" presStyleLbl="revTx" presStyleIdx="2" presStyleCnt="4"/>
+      <dgm:spPr/>
+    </dgm:pt>
+    <dgm:pt modelId="{D094AA10-485B-C94E-949D-6A33ED36B24B}" type="pres">
+      <dgm:prSet presAssocID="{81454776-F260-4432-B5D9-2D32CFD79622}" presName="vert1" presStyleCnt="0"/>
+      <dgm:spPr/>
+    </dgm:pt>
+    <dgm:pt modelId="{77CD3E63-9AE6-7040-85E6-A4E9A832149F}" type="pres">
+      <dgm:prSet presAssocID="{DD6D0C9F-D1E9-429D-A965-3571E6554305}" presName="thickLine" presStyleLbl="alignNode1" presStyleIdx="3" presStyleCnt="4"/>
+      <dgm:spPr/>
+    </dgm:pt>
+    <dgm:pt modelId="{090C7FA1-CC61-9343-BA96-E23B8BB193C1}" type="pres">
+      <dgm:prSet presAssocID="{DD6D0C9F-D1E9-429D-A965-3571E6554305}" presName="horz1" presStyleCnt="0"/>
+      <dgm:spPr/>
+    </dgm:pt>
+    <dgm:pt modelId="{9AB49160-A997-344A-AB39-DAFC3B88CFB5}" type="pres">
+      <dgm:prSet presAssocID="{DD6D0C9F-D1E9-429D-A965-3571E6554305}" presName="tx1" presStyleLbl="revTx" presStyleIdx="3" presStyleCnt="4"/>
+      <dgm:spPr/>
+    </dgm:pt>
+    <dgm:pt modelId="{E4C3ADAE-97AD-AC44-A25F-AB20001747CC}" type="pres">
+      <dgm:prSet presAssocID="{DD6D0C9F-D1E9-429D-A965-3571E6554305}" presName="vert1" presStyleCnt="0"/>
       <dgm:spPr/>
     </dgm:pt>
   </dgm:ptLst>
   <dgm:cxnLst>
+    <dgm:cxn modelId="{E0CF7E02-EBD9-7A4A-8FCC-7AF4A3D87806}" type="presOf" srcId="{62D3E52F-4C49-463E-8386-8B2C4A6EF43B}" destId="{2DFAB45F-74CA-2643-80A8-938D47F5BF3F}" srcOrd="0" destOrd="0" presId="urn:microsoft.com/office/officeart/2008/layout/LinedList"/>
+    <dgm:cxn modelId="{5FDDB312-B00E-7742-B07A-4D5F81C28D13}" type="presOf" srcId="{EC09DAFF-4627-4944-87CE-8C8494737DBD}" destId="{670611E2-B2AF-CA45-AAF8-FA6AA102543B}" srcOrd="0" destOrd="0" presId="urn:microsoft.com/office/officeart/2008/layout/LinedList"/>
     <dgm:cxn modelId="{93F41B1D-E39B-4A2A-AD87-8AD41509D14C}" srcId="{1AC8D6D4-4C11-4DED-8AB3-9DBFD114239D}" destId="{81454776-F260-4432-B5D9-2D32CFD79622}" srcOrd="2" destOrd="0" parTransId="{DA9F9EB8-F81A-4661-97FC-4C4E6A1E6786}" sibTransId="{84707650-9563-4D0F-9493-F3387A5CF472}"/>
-    <dgm:cxn modelId="{0BD6E523-3F81-CB49-AAA7-E9964E6A7959}" type="presOf" srcId="{81454776-F260-4432-B5D9-2D32CFD79622}" destId="{87950408-5CE8-894D-B5B7-ECB4661FEDBD}" srcOrd="0" destOrd="0" presId="urn:microsoft.com/office/officeart/2005/8/layout/vList2"/>
-    <dgm:cxn modelId="{6098253C-0DF4-AD40-AEA5-63AA91FF6CE9}" type="presOf" srcId="{EC09DAFF-4627-4944-87CE-8C8494737DBD}" destId="{7D7A1E5C-BBD7-A143-BF20-C5E2B4731F59}" srcOrd="0" destOrd="0" presId="urn:microsoft.com/office/officeart/2005/8/layout/vList2"/>
+    <dgm:cxn modelId="{E4C9DF49-3B2D-EC48-A212-2FCD63195E94}" type="presOf" srcId="{81454776-F260-4432-B5D9-2D32CFD79622}" destId="{019F1AA2-0972-C94A-8715-DED67FC6159F}" srcOrd="0" destOrd="0" presId="urn:microsoft.com/office/officeart/2008/layout/LinedList"/>
     <dgm:cxn modelId="{162F344F-2E59-4467-8443-151A5A676A64}" srcId="{1AC8D6D4-4C11-4DED-8AB3-9DBFD114239D}" destId="{DD6D0C9F-D1E9-429D-A965-3571E6554305}" srcOrd="3" destOrd="0" parTransId="{FD2C0A27-5798-4DEB-9851-3C1867AC12BF}" sibTransId="{905E5DB9-B83C-4599-807A-6F8CE0A255DE}"/>
-    <dgm:cxn modelId="{616CB4BE-4E11-2843-9EB4-96AE8E1221A4}" type="presOf" srcId="{1AC8D6D4-4C11-4DED-8AB3-9DBFD114239D}" destId="{9C355F63-48FD-DA4B-B94A-6E1AEF3FD384}" srcOrd="0" destOrd="0" presId="urn:microsoft.com/office/officeart/2005/8/layout/vList2"/>
+    <dgm:cxn modelId="{2D688887-374B-2E45-948E-6980DA48CB28}" type="presOf" srcId="{1AC8D6D4-4C11-4DED-8AB3-9DBFD114239D}" destId="{0FD51703-FD4E-1146-85F8-765D05E55D4A}" srcOrd="0" destOrd="0" presId="urn:microsoft.com/office/officeart/2008/layout/LinedList"/>
     <dgm:cxn modelId="{6FAC1FC3-81F1-4756-9E0F-4745D6BBB9EE}" srcId="{1AC8D6D4-4C11-4DED-8AB3-9DBFD114239D}" destId="{62D3E52F-4C49-463E-8386-8B2C4A6EF43B}" srcOrd="1" destOrd="0" parTransId="{D18D2972-DD9D-4F3A-8A54-2327FCE86C61}" sibTransId="{9AD41284-7A0C-4CA9-B754-EBC2F295C6E2}"/>
     <dgm:cxn modelId="{971031CB-6FDD-48F6-8FCF-2C64C050D294}" srcId="{1AC8D6D4-4C11-4DED-8AB3-9DBFD114239D}" destId="{EC09DAFF-4627-4944-87CE-8C8494737DBD}" srcOrd="0" destOrd="0" parTransId="{335AA7D1-4C91-4D7A-8204-A4D0408039B4}" sibTransId="{610B9725-AF7A-4432-8334-975F08F1EDC7}"/>
-    <dgm:cxn modelId="{4E89C4E6-E8BC-FE4F-A99E-9ACB7AA83978}" type="presOf" srcId="{62D3E52F-4C49-463E-8386-8B2C4A6EF43B}" destId="{45FB97B8-DB8E-FB4B-A433-41F4BCADF3C3}" srcOrd="0" destOrd="0" presId="urn:microsoft.com/office/officeart/2005/8/layout/vList2"/>
-    <dgm:cxn modelId="{A4CE93FD-4DCA-2A4E-9192-3935EB5C98BC}" type="presOf" srcId="{DD6D0C9F-D1E9-429D-A965-3571E6554305}" destId="{659B29D6-1056-FE43-8FA1-5EA0B33C40EE}" srcOrd="0" destOrd="0" presId="urn:microsoft.com/office/officeart/2005/8/layout/vList2"/>
-    <dgm:cxn modelId="{5BDD088F-70BB-004E-8F6C-912FA8E19243}" type="presParOf" srcId="{9C355F63-48FD-DA4B-B94A-6E1AEF3FD384}" destId="{7D7A1E5C-BBD7-A143-BF20-C5E2B4731F59}" srcOrd="0" destOrd="0" presId="urn:microsoft.com/office/officeart/2005/8/layout/vList2"/>
-    <dgm:cxn modelId="{5BF5D0EC-2FBC-C144-9F5C-30980B0C8037}" type="presParOf" srcId="{9C355F63-48FD-DA4B-B94A-6E1AEF3FD384}" destId="{8D4B8AE0-CCF9-974A-AE32-91B2F920F58E}" srcOrd="1" destOrd="0" presId="urn:microsoft.com/office/officeart/2005/8/layout/vList2"/>
-    <dgm:cxn modelId="{437D8C0F-CA33-7140-805A-CB59BC08169F}" type="presParOf" srcId="{9C355F63-48FD-DA4B-B94A-6E1AEF3FD384}" destId="{45FB97B8-DB8E-FB4B-A433-41F4BCADF3C3}" srcOrd="2" destOrd="0" presId="urn:microsoft.com/office/officeart/2005/8/layout/vList2"/>
-    <dgm:cxn modelId="{1EDF92DE-3C6C-794B-AD8E-9976D3066E47}" type="presParOf" srcId="{9C355F63-48FD-DA4B-B94A-6E1AEF3FD384}" destId="{91020535-8C87-E143-BD9D-2CC38C9F8AB7}" srcOrd="3" destOrd="0" presId="urn:microsoft.com/office/officeart/2005/8/layout/vList2"/>
-    <dgm:cxn modelId="{92B4C093-0B21-914C-A824-5B9D1E4FF745}" type="presParOf" srcId="{9C355F63-48FD-DA4B-B94A-6E1AEF3FD384}" destId="{87950408-5CE8-894D-B5B7-ECB4661FEDBD}" srcOrd="4" destOrd="0" presId="urn:microsoft.com/office/officeart/2005/8/layout/vList2"/>
-    <dgm:cxn modelId="{C8A5240E-07EA-A64C-BC4C-F91006EB86A7}" type="presParOf" srcId="{9C355F63-48FD-DA4B-B94A-6E1AEF3FD384}" destId="{FB1D2F67-1FEA-FC4C-9BC7-DF777A4D7FF8}" srcOrd="5" destOrd="0" presId="urn:microsoft.com/office/officeart/2005/8/layout/vList2"/>
-    <dgm:cxn modelId="{FDF1F3F9-32B4-A945-9373-ECBB5AD9A472}" type="presParOf" srcId="{9C355F63-48FD-DA4B-B94A-6E1AEF3FD384}" destId="{659B29D6-1056-FE43-8FA1-5EA0B33C40EE}" srcOrd="6" destOrd="0" presId="urn:microsoft.com/office/officeart/2005/8/layout/vList2"/>
+    <dgm:cxn modelId="{574DB2E8-562C-C942-8B9C-6A9C40976AF2}" type="presOf" srcId="{DD6D0C9F-D1E9-429D-A965-3571E6554305}" destId="{9AB49160-A997-344A-AB39-DAFC3B88CFB5}" srcOrd="0" destOrd="0" presId="urn:microsoft.com/office/officeart/2008/layout/LinedList"/>
+    <dgm:cxn modelId="{2B223715-1114-E045-8B1B-DA33ED2FC61F}" type="presParOf" srcId="{0FD51703-FD4E-1146-85F8-765D05E55D4A}" destId="{0DDDDE54-F5F3-DA43-AC42-D334B9A8A95F}" srcOrd="0" destOrd="0" presId="urn:microsoft.com/office/officeart/2008/layout/LinedList"/>
+    <dgm:cxn modelId="{A147FAB7-89A2-9C4A-909C-37DD3BD15F87}" type="presParOf" srcId="{0FD51703-FD4E-1146-85F8-765D05E55D4A}" destId="{52A81764-A4A8-7C4C-9F27-780575F5E31E}" srcOrd="1" destOrd="0" presId="urn:microsoft.com/office/officeart/2008/layout/LinedList"/>
+    <dgm:cxn modelId="{BE3BA4F7-08C9-274D-9FF7-E32EA8EC969C}" type="presParOf" srcId="{52A81764-A4A8-7C4C-9F27-780575F5E31E}" destId="{670611E2-B2AF-CA45-AAF8-FA6AA102543B}" srcOrd="0" destOrd="0" presId="urn:microsoft.com/office/officeart/2008/layout/LinedList"/>
+    <dgm:cxn modelId="{B346337A-648E-404B-BC32-3C5A982818FB}" type="presParOf" srcId="{52A81764-A4A8-7C4C-9F27-780575F5E31E}" destId="{4A0B39A1-9B95-E849-A13D-B0EF309CA8DF}" srcOrd="1" destOrd="0" presId="urn:microsoft.com/office/officeart/2008/layout/LinedList"/>
+    <dgm:cxn modelId="{E39637B0-1B66-684C-A0FD-126676A3672D}" type="presParOf" srcId="{0FD51703-FD4E-1146-85F8-765D05E55D4A}" destId="{48FF327F-83F0-CB4C-9842-EA70726147F7}" srcOrd="2" destOrd="0" presId="urn:microsoft.com/office/officeart/2008/layout/LinedList"/>
+    <dgm:cxn modelId="{B9966591-0776-D340-A6A1-534182AD4390}" type="presParOf" srcId="{0FD51703-FD4E-1146-85F8-765D05E55D4A}" destId="{7285FDD4-7645-5A4B-94A0-176FA64A3133}" srcOrd="3" destOrd="0" presId="urn:microsoft.com/office/officeart/2008/layout/LinedList"/>
+    <dgm:cxn modelId="{2405390F-89DF-E443-8A8B-08414D8175E0}" type="presParOf" srcId="{7285FDD4-7645-5A4B-94A0-176FA64A3133}" destId="{2DFAB45F-74CA-2643-80A8-938D47F5BF3F}" srcOrd="0" destOrd="0" presId="urn:microsoft.com/office/officeart/2008/layout/LinedList"/>
+    <dgm:cxn modelId="{5457FA41-E0CA-AC49-BAF4-CA0A4EF12489}" type="presParOf" srcId="{7285FDD4-7645-5A4B-94A0-176FA64A3133}" destId="{E1CBCE7B-D0EC-7E42-B31B-01C79523B383}" srcOrd="1" destOrd="0" presId="urn:microsoft.com/office/officeart/2008/layout/LinedList"/>
+    <dgm:cxn modelId="{2A8381C3-FF8A-8F4E-BDAA-F7F78E571C3D}" type="presParOf" srcId="{0FD51703-FD4E-1146-85F8-765D05E55D4A}" destId="{0150EFE2-BD80-0F41-9AF8-C90A23613294}" srcOrd="4" destOrd="0" presId="urn:microsoft.com/office/officeart/2008/layout/LinedList"/>
+    <dgm:cxn modelId="{09757417-DA2A-174E-B079-3250E619D33B}" type="presParOf" srcId="{0FD51703-FD4E-1146-85F8-765D05E55D4A}" destId="{4A7229AC-DF19-6B47-942C-200F6E2CA356}" srcOrd="5" destOrd="0" presId="urn:microsoft.com/office/officeart/2008/layout/LinedList"/>
+    <dgm:cxn modelId="{3C9FB7D9-7DB0-5048-847B-1CF3EF652281}" type="presParOf" srcId="{4A7229AC-DF19-6B47-942C-200F6E2CA356}" destId="{019F1AA2-0972-C94A-8715-DED67FC6159F}" srcOrd="0" destOrd="0" presId="urn:microsoft.com/office/officeart/2008/layout/LinedList"/>
+    <dgm:cxn modelId="{0EF244AB-90F2-0746-B301-F3528A607FCC}" type="presParOf" srcId="{4A7229AC-DF19-6B47-942C-200F6E2CA356}" destId="{D094AA10-485B-C94E-949D-6A33ED36B24B}" srcOrd="1" destOrd="0" presId="urn:microsoft.com/office/officeart/2008/layout/LinedList"/>
+    <dgm:cxn modelId="{3F21F4D9-01EA-0F4F-B5F9-B4C0069CE3CD}" type="presParOf" srcId="{0FD51703-FD4E-1146-85F8-765D05E55D4A}" destId="{77CD3E63-9AE6-7040-85E6-A4E9A832149F}" srcOrd="6" destOrd="0" presId="urn:microsoft.com/office/officeart/2008/layout/LinedList"/>
+    <dgm:cxn modelId="{9C0D58B2-CFE8-CE40-8D2F-95C0AD17B78D}" type="presParOf" srcId="{0FD51703-FD4E-1146-85F8-765D05E55D4A}" destId="{090C7FA1-CC61-9343-BA96-E23B8BB193C1}" srcOrd="7" destOrd="0" presId="urn:microsoft.com/office/officeart/2008/layout/LinedList"/>
+    <dgm:cxn modelId="{43CCD367-A77B-C444-BD36-AF6A36D1DBEA}" type="presParOf" srcId="{090C7FA1-CC61-9343-BA96-E23B8BB193C1}" destId="{9AB49160-A997-344A-AB39-DAFC3B88CFB5}" srcOrd="0" destOrd="0" presId="urn:microsoft.com/office/officeart/2008/layout/LinedList"/>
+    <dgm:cxn modelId="{5EB76EB7-1C55-0141-8B4A-B617CFE515D1}" type="presParOf" srcId="{090C7FA1-CC61-9343-BA96-E23B8BB193C1}" destId="{E4C3ADAE-97AD-AC44-A25F-AB20001747CC}" srcOrd="1" destOrd="0" presId="urn:microsoft.com/office/officeart/2008/layout/LinedList"/>
   </dgm:cxnLst>
   <dgm:bg/>
   <dgm:whole/>
   <dgm:extLst>
     <a:ext uri="http://schemas.microsoft.com/office/drawing/2008/diagram">
-      <dsp:dataModelExt xmlns:dsp="http://schemas.microsoft.com/office/drawing/2008/diagram" relId="rId6" minVer="http://schemas.openxmlformats.org/drawingml/2006/diagram"/>
+      <dsp:dataModelExt xmlns:dsp="http://schemas.microsoft.com/office/drawing/2008/diagram" relId="rId7" minVer="http://schemas.openxmlformats.org/drawingml/2006/diagram"/>
     </a:ext>
   </dgm:extLst>
 </dgm:dataModel>
@@ -9130,21 +9324,21 @@
       <dsp:cNvGrpSpPr/>
     </dsp:nvGrpSpPr>
     <dsp:grpSpPr/>
-    <dsp:sp modelId="{7D7A1E5C-BBD7-A143-BF20-C5E2B4731F59}">
+    <dsp:sp modelId="{0DDDDE54-F5F3-DA43-AC42-D334B9A8A95F}">
       <dsp:nvSpPr>
         <dsp:cNvPr id="0" name=""/>
         <dsp:cNvSpPr/>
       </dsp:nvSpPr>
       <dsp:spPr>
         <a:xfrm>
-          <a:off x="0" y="184898"/>
-          <a:ext cx="6582555" cy="1123200"/>
+          <a:off x="0" y="0"/>
+          <a:ext cx="5977938" cy="0"/>
         </a:xfrm>
-        <a:prstGeom prst="roundRect">
+        <a:prstGeom prst="line">
           <a:avLst/>
         </a:prstGeom>
         <a:solidFill>
-          <a:schemeClr val="dk2">
+          <a:schemeClr val="accent2">
             <a:hueOff val="0"/>
             <a:satOff val="0"/>
             <a:lumOff val="0"/>
@@ -9153,7 +9347,7 @@
         </a:solidFill>
         <a:ln w="15875" cap="flat" cmpd="sng" algn="ctr">
           <a:solidFill>
-            <a:schemeClr val="lt2">
+            <a:schemeClr val="accent2">
               <a:hueOff val="0"/>
               <a:satOff val="0"/>
               <a:lumOff val="0"/>
@@ -9171,20 +9365,52 @@
         <a:fillRef idx="1">
           <a:scrgbClr r="0" g="0" b="0"/>
         </a:fillRef>
-        <a:effectRef idx="0">
+        <a:effectRef idx="1">
           <a:scrgbClr r="0" g="0" b="0"/>
         </a:effectRef>
         <a:fontRef idx="minor">
           <a:schemeClr val="lt1"/>
         </a:fontRef>
       </dsp:style>
+    </dsp:sp>
+    <dsp:sp modelId="{670611E2-B2AF-CA45-AAF8-FA6AA102543B}">
+      <dsp:nvSpPr>
+        <dsp:cNvPr id="0" name=""/>
+        <dsp:cNvSpPr/>
+      </dsp:nvSpPr>
+      <dsp:spPr>
+        <a:xfrm>
+          <a:off x="0" y="0"/>
+          <a:ext cx="5977938" cy="835686"/>
+        </a:xfrm>
+        <a:prstGeom prst="rect">
+          <a:avLst/>
+        </a:prstGeom>
+        <a:noFill/>
+        <a:ln>
+          <a:noFill/>
+        </a:ln>
+        <a:effectLst/>
+      </dsp:spPr>
+      <dsp:style>
+        <a:lnRef idx="0">
+          <a:scrgbClr r="0" g="0" b="0"/>
+        </a:lnRef>
+        <a:fillRef idx="0">
+          <a:scrgbClr r="0" g="0" b="0"/>
+        </a:fillRef>
+        <a:effectRef idx="0">
+          <a:scrgbClr r="0" g="0" b="0"/>
+        </a:effectRef>
+        <a:fontRef idx="minor"/>
+      </dsp:style>
       <dsp:txBody>
-        <a:bodyPr spcFirstLastPara="0" vert="horz" wrap="square" lIns="114300" tIns="114300" rIns="114300" bIns="114300" numCol="1" spcCol="1270" anchor="ctr" anchorCtr="0">
+        <a:bodyPr spcFirstLastPara="0" vert="horz" wrap="square" lIns="91440" tIns="91440" rIns="91440" bIns="91440" numCol="1" spcCol="1270" anchor="t" anchorCtr="0">
           <a:noAutofit/>
         </a:bodyPr>
         <a:lstStyle/>
         <a:p>
-          <a:pPr marL="0" lvl="0" indent="0" algn="l" defTabSz="1333500">
+          <a:pPr marL="0" lvl="0" indent="0" algn="l" defTabSz="1066800">
             <a:lnSpc>
               <a:spcPct val="90000"/>
             </a:lnSpc>
@@ -9197,31 +9423,31 @@
             <a:buNone/>
           </a:pPr>
           <a:r>
-            <a:rPr lang="en-US" sz="3000" kern="1200" dirty="0"/>
+            <a:rPr lang="en-US" sz="2400" kern="1200" dirty="0"/>
             <a:t>The data contains images of alphabets (AZ) and numbers (0-9) in size 28x28</a:t>
           </a:r>
         </a:p>
       </dsp:txBody>
       <dsp:txXfrm>
-        <a:off x="54830" y="239728"/>
-        <a:ext cx="6472895" cy="1013540"/>
+        <a:off x="0" y="0"/>
+        <a:ext cx="5977938" cy="835686"/>
       </dsp:txXfrm>
     </dsp:sp>
-    <dsp:sp modelId="{45FB97B8-DB8E-FB4B-A433-41F4BCADF3C3}">
+    <dsp:sp modelId="{48FF327F-83F0-CB4C-9842-EA70726147F7}">
       <dsp:nvSpPr>
         <dsp:cNvPr id="0" name=""/>
         <dsp:cNvSpPr/>
       </dsp:nvSpPr>
       <dsp:spPr>
         <a:xfrm>
-          <a:off x="0" y="1394498"/>
-          <a:ext cx="6582555" cy="1123200"/>
+          <a:off x="0" y="835686"/>
+          <a:ext cx="5977938" cy="0"/>
         </a:xfrm>
-        <a:prstGeom prst="roundRect">
+        <a:prstGeom prst="line">
           <a:avLst/>
         </a:prstGeom>
         <a:solidFill>
-          <a:schemeClr val="dk2">
+          <a:schemeClr val="accent3">
             <a:hueOff val="0"/>
             <a:satOff val="0"/>
             <a:lumOff val="0"/>
@@ -9230,7 +9456,7 @@
         </a:solidFill>
         <a:ln w="15875" cap="flat" cmpd="sng" algn="ctr">
           <a:solidFill>
-            <a:schemeClr val="lt2">
+            <a:schemeClr val="accent3">
               <a:hueOff val="0"/>
               <a:satOff val="0"/>
               <a:lumOff val="0"/>
@@ -9248,20 +9474,52 @@
         <a:fillRef idx="1">
           <a:scrgbClr r="0" g="0" b="0"/>
         </a:fillRef>
-        <a:effectRef idx="0">
+        <a:effectRef idx="1">
           <a:scrgbClr r="0" g="0" b="0"/>
         </a:effectRef>
         <a:fontRef idx="minor">
           <a:schemeClr val="lt1"/>
         </a:fontRef>
       </dsp:style>
+    </dsp:sp>
+    <dsp:sp modelId="{2DFAB45F-74CA-2643-80A8-938D47F5BF3F}">
+      <dsp:nvSpPr>
+        <dsp:cNvPr id="0" name=""/>
+        <dsp:cNvSpPr/>
+      </dsp:nvSpPr>
+      <dsp:spPr>
+        <a:xfrm>
+          <a:off x="0" y="835686"/>
+          <a:ext cx="5977938" cy="835686"/>
+        </a:xfrm>
+        <a:prstGeom prst="rect">
+          <a:avLst/>
+        </a:prstGeom>
+        <a:noFill/>
+        <a:ln>
+          <a:noFill/>
+        </a:ln>
+        <a:effectLst/>
+      </dsp:spPr>
+      <dsp:style>
+        <a:lnRef idx="0">
+          <a:scrgbClr r="0" g="0" b="0"/>
+        </a:lnRef>
+        <a:fillRef idx="0">
+          <a:scrgbClr r="0" g="0" b="0"/>
+        </a:fillRef>
+        <a:effectRef idx="0">
+          <a:scrgbClr r="0" g="0" b="0"/>
+        </a:effectRef>
+        <a:fontRef idx="minor"/>
+      </dsp:style>
       <dsp:txBody>
-        <a:bodyPr spcFirstLastPara="0" vert="horz" wrap="square" lIns="114300" tIns="114300" rIns="114300" bIns="114300" numCol="1" spcCol="1270" anchor="ctr" anchorCtr="0">
+        <a:bodyPr spcFirstLastPara="0" vert="horz" wrap="square" lIns="91440" tIns="91440" rIns="91440" bIns="91440" numCol="1" spcCol="1270" anchor="t" anchorCtr="0">
           <a:noAutofit/>
         </a:bodyPr>
         <a:lstStyle/>
         <a:p>
-          <a:pPr marL="0" lvl="0" indent="0" algn="l" defTabSz="1333500">
+          <a:pPr marL="0" lvl="0" indent="0" algn="l" defTabSz="1066800">
             <a:lnSpc>
               <a:spcPct val="90000"/>
             </a:lnSpc>
@@ -9274,31 +9532,31 @@
             <a:buNone/>
           </a:pPr>
           <a:r>
-            <a:rPr lang="en-US" sz="3000" kern="1200"/>
+            <a:rPr lang="en-US" sz="2400" kern="1200"/>
             <a:t>The data is divided into 2 parts</a:t>
           </a:r>
         </a:p>
       </dsp:txBody>
       <dsp:txXfrm>
-        <a:off x="54830" y="1449328"/>
-        <a:ext cx="6472895" cy="1013540"/>
+        <a:off x="0" y="835686"/>
+        <a:ext cx="5977938" cy="835686"/>
       </dsp:txXfrm>
     </dsp:sp>
-    <dsp:sp modelId="{87950408-5CE8-894D-B5B7-ECB4661FEDBD}">
+    <dsp:sp modelId="{0150EFE2-BD80-0F41-9AF8-C90A23613294}">
       <dsp:nvSpPr>
         <dsp:cNvPr id="0" name=""/>
         <dsp:cNvSpPr/>
       </dsp:nvSpPr>
       <dsp:spPr>
         <a:xfrm>
-          <a:off x="0" y="2604099"/>
-          <a:ext cx="6582555" cy="1123200"/>
+          <a:off x="0" y="1671373"/>
+          <a:ext cx="5977938" cy="0"/>
         </a:xfrm>
-        <a:prstGeom prst="roundRect">
+        <a:prstGeom prst="line">
           <a:avLst/>
         </a:prstGeom>
         <a:solidFill>
-          <a:schemeClr val="dk2">
+          <a:schemeClr val="accent4">
             <a:hueOff val="0"/>
             <a:satOff val="0"/>
             <a:lumOff val="0"/>
@@ -9307,7 +9565,7 @@
         </a:solidFill>
         <a:ln w="15875" cap="flat" cmpd="sng" algn="ctr">
           <a:solidFill>
-            <a:schemeClr val="lt2">
+            <a:schemeClr val="accent4">
               <a:hueOff val="0"/>
               <a:satOff val="0"/>
               <a:lumOff val="0"/>
@@ -9325,20 +9583,52 @@
         <a:fillRef idx="1">
           <a:scrgbClr r="0" g="0" b="0"/>
         </a:fillRef>
-        <a:effectRef idx="0">
+        <a:effectRef idx="1">
           <a:scrgbClr r="0" g="0" b="0"/>
         </a:effectRef>
         <a:fontRef idx="minor">
           <a:schemeClr val="lt1"/>
         </a:fontRef>
       </dsp:style>
+    </dsp:sp>
+    <dsp:sp modelId="{019F1AA2-0972-C94A-8715-DED67FC6159F}">
+      <dsp:nvSpPr>
+        <dsp:cNvPr id="0" name=""/>
+        <dsp:cNvSpPr/>
+      </dsp:nvSpPr>
+      <dsp:spPr>
+        <a:xfrm>
+          <a:off x="0" y="1671373"/>
+          <a:ext cx="5977938" cy="835686"/>
+        </a:xfrm>
+        <a:prstGeom prst="rect">
+          <a:avLst/>
+        </a:prstGeom>
+        <a:noFill/>
+        <a:ln>
+          <a:noFill/>
+        </a:ln>
+        <a:effectLst/>
+      </dsp:spPr>
+      <dsp:style>
+        <a:lnRef idx="0">
+          <a:scrgbClr r="0" g="0" b="0"/>
+        </a:lnRef>
+        <a:fillRef idx="0">
+          <a:scrgbClr r="0" g="0" b="0"/>
+        </a:fillRef>
+        <a:effectRef idx="0">
+          <a:scrgbClr r="0" g="0" b="0"/>
+        </a:effectRef>
+        <a:fontRef idx="minor"/>
+      </dsp:style>
       <dsp:txBody>
-        <a:bodyPr spcFirstLastPara="0" vert="horz" wrap="square" lIns="114300" tIns="114300" rIns="114300" bIns="114300" numCol="1" spcCol="1270" anchor="ctr" anchorCtr="0">
+        <a:bodyPr spcFirstLastPara="0" vert="horz" wrap="square" lIns="91440" tIns="91440" rIns="91440" bIns="91440" numCol="1" spcCol="1270" anchor="t" anchorCtr="0">
           <a:noAutofit/>
         </a:bodyPr>
         <a:lstStyle/>
         <a:p>
-          <a:pPr marL="0" lvl="0" indent="0" algn="l" defTabSz="1333500">
+          <a:pPr marL="0" lvl="0" indent="0" algn="l" defTabSz="1066800">
             <a:lnSpc>
               <a:spcPct val="90000"/>
             </a:lnSpc>
@@ -9351,31 +9641,31 @@
             <a:buNone/>
           </a:pPr>
           <a:r>
-            <a:rPr lang="en-US" sz="3000" kern="1200" dirty="0"/>
+            <a:rPr lang="en-US" sz="2400" kern="1200" dirty="0"/>
             <a:t>Generation of additional data using methods of shift in width and height </a:t>
           </a:r>
         </a:p>
       </dsp:txBody>
       <dsp:txXfrm>
-        <a:off x="54830" y="2658929"/>
-        <a:ext cx="6472895" cy="1013540"/>
+        <a:off x="0" y="1671373"/>
+        <a:ext cx="5977938" cy="835686"/>
       </dsp:txXfrm>
     </dsp:sp>
-    <dsp:sp modelId="{659B29D6-1056-FE43-8FA1-5EA0B33C40EE}">
+    <dsp:sp modelId="{77CD3E63-9AE6-7040-85E6-A4E9A832149F}">
       <dsp:nvSpPr>
         <dsp:cNvPr id="0" name=""/>
         <dsp:cNvSpPr/>
       </dsp:nvSpPr>
       <dsp:spPr>
         <a:xfrm>
-          <a:off x="0" y="3813699"/>
-          <a:ext cx="6582555" cy="1123200"/>
+          <a:off x="0" y="2507060"/>
+          <a:ext cx="5977938" cy="0"/>
         </a:xfrm>
-        <a:prstGeom prst="roundRect">
+        <a:prstGeom prst="line">
           <a:avLst/>
         </a:prstGeom>
         <a:solidFill>
-          <a:schemeClr val="dk2">
+          <a:schemeClr val="accent5">
             <a:hueOff val="0"/>
             <a:satOff val="0"/>
             <a:lumOff val="0"/>
@@ -9384,7 +9674,7 @@
         </a:solidFill>
         <a:ln w="15875" cap="flat" cmpd="sng" algn="ctr">
           <a:solidFill>
-            <a:schemeClr val="lt2">
+            <a:schemeClr val="accent5">
               <a:hueOff val="0"/>
               <a:satOff val="0"/>
               <a:lumOff val="0"/>
@@ -9402,20 +9692,52 @@
         <a:fillRef idx="1">
           <a:scrgbClr r="0" g="0" b="0"/>
         </a:fillRef>
-        <a:effectRef idx="0">
+        <a:effectRef idx="1">
           <a:scrgbClr r="0" g="0" b="0"/>
         </a:effectRef>
         <a:fontRef idx="minor">
           <a:schemeClr val="lt1"/>
         </a:fontRef>
       </dsp:style>
+    </dsp:sp>
+    <dsp:sp modelId="{9AB49160-A997-344A-AB39-DAFC3B88CFB5}">
+      <dsp:nvSpPr>
+        <dsp:cNvPr id="0" name=""/>
+        <dsp:cNvSpPr/>
+      </dsp:nvSpPr>
+      <dsp:spPr>
+        <a:xfrm>
+          <a:off x="0" y="2507060"/>
+          <a:ext cx="5977938" cy="835686"/>
+        </a:xfrm>
+        <a:prstGeom prst="rect">
+          <a:avLst/>
+        </a:prstGeom>
+        <a:noFill/>
+        <a:ln>
+          <a:noFill/>
+        </a:ln>
+        <a:effectLst/>
+      </dsp:spPr>
+      <dsp:style>
+        <a:lnRef idx="0">
+          <a:scrgbClr r="0" g="0" b="0"/>
+        </a:lnRef>
+        <a:fillRef idx="0">
+          <a:scrgbClr r="0" g="0" b="0"/>
+        </a:fillRef>
+        <a:effectRef idx="0">
+          <a:scrgbClr r="0" g="0" b="0"/>
+        </a:effectRef>
+        <a:fontRef idx="minor"/>
+      </dsp:style>
       <dsp:txBody>
-        <a:bodyPr spcFirstLastPara="0" vert="horz" wrap="square" lIns="114300" tIns="114300" rIns="114300" bIns="114300" numCol="1" spcCol="1270" anchor="ctr" anchorCtr="0">
+        <a:bodyPr spcFirstLastPara="0" vert="horz" wrap="square" lIns="91440" tIns="91440" rIns="91440" bIns="91440" numCol="1" spcCol="1270" anchor="t" anchorCtr="0">
           <a:noAutofit/>
         </a:bodyPr>
         <a:lstStyle/>
         <a:p>
-          <a:pPr marL="0" lvl="0" indent="0" algn="l" defTabSz="1333500">
+          <a:pPr marL="0" lvl="0" indent="0" algn="l" defTabSz="1066800">
             <a:lnSpc>
               <a:spcPct val="90000"/>
             </a:lnSpc>
@@ -9428,14 +9750,14 @@
             <a:buNone/>
           </a:pPr>
           <a:r>
-            <a:rPr lang="en-US" sz="3000" kern="1200"/>
+            <a:rPr lang="en-US" sz="2400" kern="1200"/>
             <a:t>During 41 epochs the model reaches accuracy of 98.38%</a:t>
           </a:r>
         </a:p>
       </dsp:txBody>
       <dsp:txXfrm>
-        <a:off x="54830" y="3868529"/>
-        <a:ext cx="6472895" cy="1013540"/>
+        <a:off x="0" y="2507060"/>
+        <a:ext cx="5977938" cy="835686"/>
       </dsp:txXfrm>
     </dsp:sp>
   </dsp:spTree>
@@ -10524,12 +10846,12 @@
 </file>
 
 <file path=ppt/diagrams/layout5.xml><?xml version="1.0" encoding="utf-8"?>
-<dgm:layoutDef xmlns:dgm="http://schemas.openxmlformats.org/drawingml/2006/diagram" xmlns:a="http://schemas.openxmlformats.org/drawingml/2006/main" uniqueId="urn:microsoft.com/office/officeart/2005/8/layout/vList2">
+<dgm:layoutDef xmlns:dgm="http://schemas.openxmlformats.org/drawingml/2006/diagram" xmlns:a="http://schemas.openxmlformats.org/drawingml/2006/main" uniqueId="urn:microsoft.com/office/officeart/2008/layout/LinedList">
   <dgm:title val=""/>
   <dgm:desc val=""/>
   <dgm:catLst>
-    <dgm:cat type="list" pri="3000"/>
-    <dgm:cat type="convert" pri="1000"/>
+    <dgm:cat type="hierarchy" pri="8000"/>
+    <dgm:cat type="list" pri="2500"/>
   </dgm:catLst>
   <dgm:sampData>
     <dgm:dataModel>
@@ -10541,18 +10863,18 @@
         <dgm:pt modelId="11">
           <dgm:prSet phldr="1"/>
         </dgm:pt>
-        <dgm:pt modelId="2">
+        <dgm:pt modelId="12">
           <dgm:prSet phldr="1"/>
         </dgm:pt>
-        <dgm:pt modelId="21">
+        <dgm:pt modelId="13">
           <dgm:prSet phldr="1"/>
         </dgm:pt>
       </dgm:ptLst>
       <dgm:cxnLst>
-        <dgm:cxn modelId="4" srcId="0" destId="1" srcOrd="0" destOrd="0"/>
-        <dgm:cxn modelId="5" srcId="0" destId="2" srcOrd="1" destOrd="0"/>
-        <dgm:cxn modelId="12" srcId="1" destId="11" srcOrd="0" destOrd="0"/>
-        <dgm:cxn modelId="23" srcId="2" destId="21" srcOrd="0" destOrd="0"/>
+        <dgm:cxn modelId="2" srcId="0" destId="1" srcOrd="0" destOrd="0"/>
+        <dgm:cxn modelId="3" srcId="1" destId="11" srcOrd="0" destOrd="0"/>
+        <dgm:cxn modelId="4" srcId="1" destId="12" srcOrd="1" destOrd="0"/>
+        <dgm:cxn modelId="5" srcId="1" destId="13" srcOrd="2" destOrd="0"/>
       </dgm:cxnLst>
       <dgm:bg/>
       <dgm:whole/>
@@ -10562,12 +10884,20 @@
     <dgm:dataModel>
       <dgm:ptLst>
         <dgm:pt modelId="0" type="doc"/>
-        <dgm:pt modelId="1"/>
-        <dgm:pt modelId="2"/>
+        <dgm:pt modelId="1">
+          <dgm:prSet phldr="1"/>
+        </dgm:pt>
+        <dgm:pt modelId="11">
+          <dgm:prSet phldr="1"/>
+        </dgm:pt>
+        <dgm:pt modelId="12">
+          <dgm:prSet phldr="1"/>
+        </dgm:pt>
       </dgm:ptLst>
       <dgm:cxnLst>
-        <dgm:cxn modelId="3" srcId="0" destId="1" srcOrd="0" destOrd="0"/>
-        <dgm:cxn modelId="4" srcId="0" destId="2" srcOrd="1" destOrd="0"/>
+        <dgm:cxn modelId="2" srcId="0" destId="1" srcOrd="0" destOrd="0"/>
+        <dgm:cxn modelId="3" srcId="1" destId="11" srcOrd="0" destOrd="0"/>
+        <dgm:cxn modelId="4" srcId="1" destId="12" srcOrd="1" destOrd="0"/>
       </dgm:cxnLst>
       <dgm:bg/>
       <dgm:whole/>
@@ -10577,114 +10907,405 @@
     <dgm:dataModel>
       <dgm:ptLst>
         <dgm:pt modelId="0" type="doc"/>
-        <dgm:pt modelId="1"/>
-        <dgm:pt modelId="2"/>
-        <dgm:pt modelId="3"/>
-        <dgm:pt modelId="4"/>
+        <dgm:pt modelId="1">
+          <dgm:prSet phldr="1"/>
+        </dgm:pt>
+        <dgm:pt modelId="11">
+          <dgm:prSet phldr="1"/>
+        </dgm:pt>
+        <dgm:pt modelId="12">
+          <dgm:prSet phldr="1"/>
+        </dgm:pt>
       </dgm:ptLst>
       <dgm:cxnLst>
-        <dgm:cxn modelId="5" srcId="0" destId="1" srcOrd="0" destOrd="0"/>
-        <dgm:cxn modelId="6" srcId="0" destId="2" srcOrd="1" destOrd="0"/>
-        <dgm:cxn modelId="7" srcId="0" destId="3" srcOrd="2" destOrd="0"/>
-        <dgm:cxn modelId="8" srcId="0" destId="4" srcOrd="3" destOrd="0"/>
+        <dgm:cxn modelId="2" srcId="0" destId="1" srcOrd="0" destOrd="0"/>
+        <dgm:cxn modelId="3" srcId="1" destId="11" srcOrd="0" destOrd="0"/>
+        <dgm:cxn modelId="4" srcId="1" destId="12" srcOrd="1" destOrd="0"/>
       </dgm:cxnLst>
       <dgm:bg/>
       <dgm:whole/>
     </dgm:dataModel>
   </dgm:clrData>
-  <dgm:layoutNode name="linear">
+  <dgm:layoutNode name="vert0">
     <dgm:varLst>
+      <dgm:dir/>
+      <dgm:animOne val="branch"/>
       <dgm:animLvl val="lvl"/>
-      <dgm:resizeHandles val="exact"/>
     </dgm:varLst>
-    <dgm:alg type="lin">
-      <dgm:param type="linDir" val="fromT"/>
-      <dgm:param type="vertAlign" val="mid"/>
-    </dgm:alg>
+    <dgm:choose name="Name0">
+      <dgm:if name="Name1" func="var" arg="dir" op="equ" val="norm">
+        <dgm:alg type="lin">
+          <dgm:param type="linDir" val="fromT"/>
+          <dgm:param type="nodeHorzAlign" val="l"/>
+        </dgm:alg>
+      </dgm:if>
+      <dgm:else name="Name2">
+        <dgm:alg type="lin">
+          <dgm:param type="linDir" val="fromT"/>
+          <dgm:param type="nodeHorzAlign" val="r"/>
+        </dgm:alg>
+      </dgm:else>
+    </dgm:choose>
     <dgm:shape xmlns:r="http://schemas.openxmlformats.org/officeDocument/2006/relationships" r:blip="">
       <dgm:adjLst/>
     </dgm:shape>
     <dgm:presOf/>
     <dgm:constrLst>
-      <dgm:constr type="w" for="ch" forName="parentText" refType="w"/>
-      <dgm:constr type="h" for="ch" forName="parentText" refType="primFontSz" refFor="ch" refForName="parentText" fact="0.52"/>
-      <dgm:constr type="w" for="ch" forName="childText" refType="w"/>
-      <dgm:constr type="h" for="ch" forName="childText" refType="primFontSz" refFor="ch" refForName="parentText" fact="0.46"/>
-      <dgm:constr type="h" for="ch" forName="parentText" op="equ"/>
-      <dgm:constr type="primFontSz" for="ch" forName="parentText" op="equ" val="65"/>
-      <dgm:constr type="primFontSz" for="ch" forName="childText" refType="primFontSz" refFor="ch" refForName="parentText" op="equ"/>
-      <dgm:constr type="h" for="ch" forName="spacer" refType="primFontSz" refFor="ch" refForName="parentText" fact="0.08"/>
+      <dgm:constr type="w" for="ch" forName="horz1" refType="w"/>
+      <dgm:constr type="h" for="ch" forName="horz1" refType="h"/>
+      <dgm:constr type="h" for="des" forName="vert1" refType="h"/>
+      <dgm:constr type="h" for="des" forName="tx1" refType="h"/>
+      <dgm:constr type="h" for="des" forName="horz2" refType="h"/>
+      <dgm:constr type="h" for="des" forName="vert2" refType="h"/>
+      <dgm:constr type="h" for="des" forName="horz3" refType="h"/>
+      <dgm:constr type="h" for="des" forName="vert3" refType="h"/>
+      <dgm:constr type="h" for="des" forName="horz4" refType="h"/>
+      <dgm:constr type="h" for="des" ptType="node" refType="h"/>
+      <dgm:constr type="primFontSz" for="des" forName="tx1" op="equ" val="65"/>
+      <dgm:constr type="primFontSz" for="des" forName="tx2" op="equ" val="65"/>
+      <dgm:constr type="primFontSz" for="des" forName="tx3" op="equ" val="65"/>
+      <dgm:constr type="primFontSz" for="des" forName="tx4" op="equ" val="65"/>
+      <dgm:constr type="w" for="des" forName="thickLine" refType="w"/>
+      <dgm:constr type="h" for="des" forName="thickLine"/>
+      <dgm:constr type="h" for="des" forName="thinLine1"/>
+      <dgm:constr type="h" for="des" forName="thinLine2b"/>
+      <dgm:constr type="h" for="des" forName="thinLine3"/>
+      <dgm:constr type="h" for="des" forName="vertSpace2a" refType="h" fact="0.05"/>
+      <dgm:constr type="h" for="des" forName="vertSpace2b" refType="h" refFor="des" refForName="vertSpace2a"/>
     </dgm:constrLst>
-    <dgm:ruleLst>
-      <dgm:rule type="primFontSz" for="ch" forName="parentText" val="5" fact="NaN" max="NaN"/>
-    </dgm:ruleLst>
-    <dgm:forEach name="Name0" axis="ch" ptType="node">
-      <dgm:layoutNode name="parentText" styleLbl="node1">
-        <dgm:varLst>
-          <dgm:chMax val="0"/>
-          <dgm:bulletEnabled val="1"/>
-        </dgm:varLst>
-        <dgm:alg type="tx">
-          <dgm:param type="parTxLTRAlign" val="l"/>
-          <dgm:param type="parTxRTLAlign" val="r"/>
-        </dgm:alg>
-        <dgm:shape xmlns:r="http://schemas.openxmlformats.org/officeDocument/2006/relationships" type="roundRect" r:blip="">
+    <dgm:forEach name="Name3" axis="ch" ptType="node">
+      <dgm:layoutNode name="thickLine" styleLbl="alignNode1">
+        <dgm:alg type="sp"/>
+        <dgm:shape xmlns:r="http://schemas.openxmlformats.org/officeDocument/2006/relationships" type="line" r:blip="">
           <dgm:adjLst/>
         </dgm:shape>
-        <dgm:presOf axis="self"/>
-        <dgm:constrLst>
-          <dgm:constr type="tMarg" refType="primFontSz" fact="0.3"/>
-          <dgm:constr type="bMarg" refType="primFontSz" fact="0.3"/>
-          <dgm:constr type="lMarg" refType="primFontSz" fact="0.3"/>
-          <dgm:constr type="rMarg" refType="primFontSz" fact="0.3"/>
-        </dgm:constrLst>
-        <dgm:ruleLst>
-          <dgm:rule type="h" val="INF" fact="NaN" max="NaN"/>
-        </dgm:ruleLst>
+        <dgm:presOf/>
       </dgm:layoutNode>
-      <dgm:choose name="Name1">
-        <dgm:if name="Name2" axis="ch" ptType="node" func="cnt" op="gte" val="1">
-          <dgm:layoutNode name="childText" styleLbl="revTx">
-            <dgm:varLst>
-              <dgm:bulletEnabled val="1"/>
-            </dgm:varLst>
-            <dgm:alg type="tx">
-              <dgm:param type="stBulletLvl" val="1"/>
-              <dgm:param type="lnSpAfChP" val="20"/>
+      <dgm:layoutNode name="horz1">
+        <dgm:choose name="Name4">
+          <dgm:if name="Name5" func="var" arg="dir" op="equ" val="norm">
+            <dgm:alg type="lin">
+              <dgm:param type="linDir" val="fromL"/>
+              <dgm:param type="nodeVertAlign" val="t"/>
             </dgm:alg>
-            <dgm:shape xmlns:r="http://schemas.openxmlformats.org/officeDocument/2006/relationships" type="rect" r:blip="">
-              <dgm:adjLst/>
-            </dgm:shape>
-            <dgm:presOf axis="des" ptType="node"/>
+          </dgm:if>
+          <dgm:else name="Name6">
+            <dgm:alg type="lin">
+              <dgm:param type="linDir" val="fromR"/>
+              <dgm:param type="nodeVertAlign" val="t"/>
+            </dgm:alg>
+          </dgm:else>
+        </dgm:choose>
+        <dgm:shape xmlns:r="http://schemas.openxmlformats.org/officeDocument/2006/relationships" r:blip="">
+          <dgm:adjLst/>
+        </dgm:shape>
+        <dgm:presOf/>
+        <dgm:choose name="Name7">
+          <dgm:if name="Name8" axis="root des" func="maxDepth" op="equ" val="1">
             <dgm:constrLst>
-              <dgm:constr type="tMarg" refType="primFontSz" fact="0.1"/>
-              <dgm:constr type="bMarg" refType="primFontSz" fact="0.1"/>
-              <dgm:constr type="lMarg" refType="w" fact="0.09"/>
+              <dgm:constr type="w" for="ch" forName="tx1" refType="w"/>
             </dgm:constrLst>
-            <dgm:ruleLst>
-              <dgm:rule type="h" val="INF" fact="NaN" max="NaN"/>
-            </dgm:ruleLst>
-          </dgm:layoutNode>
-        </dgm:if>
-        <dgm:else name="Name3">
-          <dgm:choose name="Name4">
-            <dgm:if name="Name5" axis="par ch" ptType="doc node" func="cnt" op="gte" val="2">
-              <dgm:forEach name="Name6" axis="followSib" ptType="sibTrans" cnt="1">
-                <dgm:layoutNode name="spacer">
+          </dgm:if>
+          <dgm:if name="Name9" axis="root des" func="maxDepth" op="equ" val="2">
+            <dgm:constrLst>
+              <dgm:constr type="w" for="ch" forName="tx1" refType="w" fact="0.2"/>
+              <dgm:constr type="w" for="des" forName="tx2" refType="w" fact="0.785"/>
+              <dgm:constr type="w" for="des" forName="horzSpace2" refType="w" fact="0.015"/>
+              <dgm:constr type="w" for="des" forName="thinLine2b" refType="w" fact="0.8"/>
+            </dgm:constrLst>
+          </dgm:if>
+          <dgm:if name="Name10" axis="root des" func="maxDepth" op="equ" val="3">
+            <dgm:constrLst>
+              <dgm:constr type="w" for="ch" forName="tx1" refType="w" fact="0.2"/>
+              <dgm:constr type="w" for="des" forName="tx2" refType="w" fact="0.385"/>
+              <dgm:constr type="w" for="des" forName="tx3" refType="w" fact="0.385"/>
+              <dgm:constr type="w" for="des" forName="horzSpace2" refType="w" fact="0.015"/>
+              <dgm:constr type="w" for="des" forName="horzSpace3" refType="w" fact="0.015"/>
+              <dgm:constr type="w" for="des" forName="thinLine2b" refType="w" fact="0.8"/>
+              <dgm:constr type="w" for="des" forName="thinLine3" refType="w" fact="0.385"/>
+            </dgm:constrLst>
+          </dgm:if>
+          <dgm:if name="Name11" axis="root des" func="maxDepth" op="gte" val="4">
+            <dgm:constrLst>
+              <dgm:constr type="w" for="ch" forName="tx1" refType="w" fact="0.2"/>
+              <dgm:constr type="w" for="des" forName="tx2" refType="w" fact="0.2516"/>
+              <dgm:constr type="w" for="des" forName="tx3" refType="w" fact="0.2516"/>
+              <dgm:constr type="w" for="des" forName="tx4" refType="w" fact="0.2516"/>
+              <dgm:constr type="w" for="des" forName="horzSpace2" refType="w" fact="0.015"/>
+              <dgm:constr type="w" for="des" forName="horzSpace3" refType="w" fact="0.015"/>
+              <dgm:constr type="w" for="des" forName="horzSpace4" refType="w" fact="0.015"/>
+              <dgm:constr type="w" for="des" forName="thinLine2b" refType="w" fact="0.8"/>
+              <dgm:constr type="w" for="des" forName="thinLine3" refType="w" fact="0.5332"/>
+            </dgm:constrLst>
+          </dgm:if>
+          <dgm:else name="Name12"/>
+        </dgm:choose>
+        <dgm:layoutNode name="tx1" styleLbl="revTx">
+          <dgm:alg type="tx">
+            <dgm:param type="parTxLTRAlign" val="l"/>
+            <dgm:param type="parTxRTLAlign" val="r"/>
+            <dgm:param type="txAnchorVert" val="t"/>
+          </dgm:alg>
+          <dgm:shape xmlns:r="http://schemas.openxmlformats.org/officeDocument/2006/relationships" type="rect" r:blip="">
+            <dgm:adjLst/>
+          </dgm:shape>
+          <dgm:presOf axis="self"/>
+          <dgm:constrLst>
+            <dgm:constr type="tMarg" refType="primFontSz" fact="0.3"/>
+            <dgm:constr type="bMarg" refType="primFontSz" fact="0.3"/>
+            <dgm:constr type="lMarg" refType="primFontSz" fact="0.3"/>
+            <dgm:constr type="rMarg" refType="primFontSz" fact="0.3"/>
+          </dgm:constrLst>
+          <dgm:ruleLst>
+            <dgm:rule type="primFontSz" val="5" fact="NaN" max="NaN"/>
+          </dgm:ruleLst>
+        </dgm:layoutNode>
+        <dgm:layoutNode name="vert1">
+          <dgm:choose name="Name13">
+            <dgm:if name="Name14" func="var" arg="dir" op="equ" val="norm">
+              <dgm:alg type="lin">
+                <dgm:param type="linDir" val="fromT"/>
+                <dgm:param type="nodeHorzAlign" val="l"/>
+              </dgm:alg>
+            </dgm:if>
+            <dgm:else name="Name15">
+              <dgm:alg type="lin">
+                <dgm:param type="linDir" val="fromT"/>
+                <dgm:param type="nodeHorzAlign" val="r"/>
+              </dgm:alg>
+            </dgm:else>
+          </dgm:choose>
+          <dgm:shape xmlns:r="http://schemas.openxmlformats.org/officeDocument/2006/relationships" r:blip="">
+            <dgm:adjLst/>
+          </dgm:shape>
+          <dgm:presOf/>
+          <dgm:forEach name="Name16" axis="ch" ptType="node">
+            <dgm:choose name="Name17">
+              <dgm:if name="Name18" axis="self" ptType="node" func="pos" op="equ" val="1">
+                <dgm:layoutNode name="vertSpace2a">
                   <dgm:alg type="sp"/>
                   <dgm:shape xmlns:r="http://schemas.openxmlformats.org/officeDocument/2006/relationships" r:blip="">
                     <dgm:adjLst/>
                   </dgm:shape>
                   <dgm:presOf/>
-                  <dgm:constrLst/>
-                  <dgm:ruleLst/>
                 </dgm:layoutNode>
-              </dgm:forEach>
-            </dgm:if>
-            <dgm:else name="Name7"/>
-          </dgm:choose>
-        </dgm:else>
-      </dgm:choose>
+              </dgm:if>
+              <dgm:else name="Name19"/>
+            </dgm:choose>
+            <dgm:layoutNode name="horz2">
+              <dgm:choose name="Name20">
+                <dgm:if name="Name21" func="var" arg="dir" op="equ" val="norm">
+                  <dgm:alg type="lin">
+                    <dgm:param type="linDir" val="fromL"/>
+                    <dgm:param type="nodeVertAlign" val="t"/>
+                  </dgm:alg>
+                </dgm:if>
+                <dgm:else name="Name22">
+                  <dgm:alg type="lin">
+                    <dgm:param type="linDir" val="fromR"/>
+                    <dgm:param type="nodeVertAlign" val="t"/>
+                  </dgm:alg>
+                </dgm:else>
+              </dgm:choose>
+              <dgm:shape xmlns:r="http://schemas.openxmlformats.org/officeDocument/2006/relationships" r:blip="">
+                <dgm:adjLst/>
+              </dgm:shape>
+              <dgm:presOf/>
+              <dgm:layoutNode name="horzSpace2">
+                <dgm:alg type="sp"/>
+                <dgm:shape xmlns:r="http://schemas.openxmlformats.org/officeDocument/2006/relationships" r:blip="">
+                  <dgm:adjLst/>
+                </dgm:shape>
+                <dgm:presOf/>
+              </dgm:layoutNode>
+              <dgm:layoutNode name="tx2" styleLbl="revTx">
+                <dgm:alg type="tx">
+                  <dgm:param type="parTxLTRAlign" val="l"/>
+                  <dgm:param type="parTxRTLAlign" val="r"/>
+                  <dgm:param type="txAnchorVert" val="t"/>
+                </dgm:alg>
+                <dgm:shape xmlns:r="http://schemas.openxmlformats.org/officeDocument/2006/relationships" type="rect" r:blip="">
+                  <dgm:adjLst/>
+                </dgm:shape>
+                <dgm:presOf axis="self"/>
+                <dgm:constrLst>
+                  <dgm:constr type="tMarg" refType="primFontSz" fact="0.3"/>
+                  <dgm:constr type="bMarg" refType="primFontSz" fact="0.3"/>
+                  <dgm:constr type="lMarg" refType="primFontSz" fact="0.3"/>
+                  <dgm:constr type="rMarg" refType="primFontSz" fact="0.3"/>
+                </dgm:constrLst>
+                <dgm:ruleLst>
+                  <dgm:rule type="primFontSz" val="5" fact="NaN" max="NaN"/>
+                </dgm:ruleLst>
+              </dgm:layoutNode>
+              <dgm:layoutNode name="vert2">
+                <dgm:choose name="Name23">
+                  <dgm:if name="Name24" func="var" arg="dir" op="equ" val="norm">
+                    <dgm:alg type="lin">
+                      <dgm:param type="linDir" val="fromT"/>
+                      <dgm:param type="nodeHorzAlign" val="l"/>
+                    </dgm:alg>
+                  </dgm:if>
+                  <dgm:else name="Name25">
+                    <dgm:alg type="lin">
+                      <dgm:param type="linDir" val="fromT"/>
+                      <dgm:param type="nodeHorzAlign" val="r"/>
+                    </dgm:alg>
+                  </dgm:else>
+                </dgm:choose>
+                <dgm:shape xmlns:r="http://schemas.openxmlformats.org/officeDocument/2006/relationships" r:blip="">
+                  <dgm:adjLst/>
+                </dgm:shape>
+                <dgm:presOf/>
+                <dgm:forEach name="Name26" axis="ch" ptType="node">
+                  <dgm:layoutNode name="horz3">
+                    <dgm:choose name="Name27">
+                      <dgm:if name="Name28" func="var" arg="dir" op="equ" val="norm">
+                        <dgm:alg type="lin">
+                          <dgm:param type="linDir" val="fromL"/>
+                          <dgm:param type="nodeVertAlign" val="t"/>
+                        </dgm:alg>
+                      </dgm:if>
+                      <dgm:else name="Name29">
+                        <dgm:alg type="lin">
+                          <dgm:param type="linDir" val="fromR"/>
+                          <dgm:param type="nodeVertAlign" val="t"/>
+                        </dgm:alg>
+                      </dgm:else>
+                    </dgm:choose>
+                    <dgm:shape xmlns:r="http://schemas.openxmlformats.org/officeDocument/2006/relationships" r:blip="">
+                      <dgm:adjLst/>
+                    </dgm:shape>
+                    <dgm:presOf/>
+                    <dgm:layoutNode name="horzSpace3">
+                      <dgm:alg type="sp"/>
+                      <dgm:shape xmlns:r="http://schemas.openxmlformats.org/officeDocument/2006/relationships" r:blip="">
+                        <dgm:adjLst/>
+                      </dgm:shape>
+                      <dgm:presOf/>
+                    </dgm:layoutNode>
+                    <dgm:layoutNode name="tx3" styleLbl="revTx">
+                      <dgm:alg type="tx">
+                        <dgm:param type="parTxLTRAlign" val="l"/>
+                        <dgm:param type="parTxRTLAlign" val="r"/>
+                        <dgm:param type="txAnchorVert" val="t"/>
+                      </dgm:alg>
+                      <dgm:shape xmlns:r="http://schemas.openxmlformats.org/officeDocument/2006/relationships" type="rect" r:blip="">
+                        <dgm:adjLst/>
+                      </dgm:shape>
+                      <dgm:presOf axis="self"/>
+                      <dgm:constrLst>
+                        <dgm:constr type="tMarg" refType="primFontSz" fact="0.3"/>
+                        <dgm:constr type="bMarg" refType="primFontSz" fact="0.3"/>
+                        <dgm:constr type="lMarg" refType="primFontSz" fact="0.3"/>
+                        <dgm:constr type="rMarg" refType="primFontSz" fact="0.3"/>
+                      </dgm:constrLst>
+                      <dgm:ruleLst>
+                        <dgm:rule type="primFontSz" val="5" fact="NaN" max="NaN"/>
+                      </dgm:ruleLst>
+                    </dgm:layoutNode>
+                    <dgm:layoutNode name="vert3">
+                      <dgm:choose name="Name30">
+                        <dgm:if name="Name31" func="var" arg="dir" op="equ" val="norm">
+                          <dgm:alg type="lin">
+                            <dgm:param type="linDir" val="fromT"/>
+                            <dgm:param type="nodeHorzAlign" val="l"/>
+                          </dgm:alg>
+                        </dgm:if>
+                        <dgm:else name="Name32">
+                          <dgm:alg type="lin">
+                            <dgm:param type="linDir" val="fromT"/>
+                            <dgm:param type="nodeHorzAlign" val="r"/>
+                          </dgm:alg>
+                        </dgm:else>
+                      </dgm:choose>
+                      <dgm:shape xmlns:r="http://schemas.openxmlformats.org/officeDocument/2006/relationships" r:blip="">
+                        <dgm:adjLst/>
+                      </dgm:shape>
+                      <dgm:presOf/>
+                      <dgm:forEach name="Name33" axis="ch" ptType="node">
+                        <dgm:layoutNode name="horz4">
+                          <dgm:choose name="Name34">
+                            <dgm:if name="Name35" func="var" arg="dir" op="equ" val="norm">
+                              <dgm:alg type="lin">
+                                <dgm:param type="linDir" val="fromL"/>
+                                <dgm:param type="nodeVertAlign" val="t"/>
+                              </dgm:alg>
+                            </dgm:if>
+                            <dgm:else name="Name36">
+                              <dgm:alg type="lin">
+                                <dgm:param type="linDir" val="fromR"/>
+                                <dgm:param type="nodeVertAlign" val="t"/>
+                              </dgm:alg>
+                            </dgm:else>
+                          </dgm:choose>
+                          <dgm:shape xmlns:r="http://schemas.openxmlformats.org/officeDocument/2006/relationships" r:blip="">
+                            <dgm:adjLst/>
+                          </dgm:shape>
+                          <dgm:presOf/>
+                          <dgm:layoutNode name="horzSpace4">
+                            <dgm:alg type="sp"/>
+                            <dgm:shape xmlns:r="http://schemas.openxmlformats.org/officeDocument/2006/relationships" r:blip="">
+                              <dgm:adjLst/>
+                            </dgm:shape>
+                            <dgm:presOf/>
+                          </dgm:layoutNode>
+                          <dgm:layoutNode name="tx4" styleLbl="revTx">
+                            <dgm:varLst>
+                              <dgm:bulletEnabled val="1"/>
+                            </dgm:varLst>
+                            <dgm:alg type="tx">
+                              <dgm:param type="parTxLTRAlign" val="l"/>
+                              <dgm:param type="parTxRTLAlign" val="r"/>
+                              <dgm:param type="txAnchorVert" val="t"/>
+                            </dgm:alg>
+                            <dgm:shape xmlns:r="http://schemas.openxmlformats.org/officeDocument/2006/relationships" type="rect" r:blip="">
+                              <dgm:adjLst/>
+                            </dgm:shape>
+                            <dgm:presOf axis="desOrSelf" ptType="node"/>
+                            <dgm:constrLst>
+                              <dgm:constr type="tMarg" refType="primFontSz" fact="0.3"/>
+                              <dgm:constr type="bMarg" refType="primFontSz" fact="0.3"/>
+                              <dgm:constr type="lMarg" refType="primFontSz" fact="0.3"/>
+                              <dgm:constr type="rMarg" refType="primFontSz" fact="0.3"/>
+                            </dgm:constrLst>
+                            <dgm:ruleLst>
+                              <dgm:rule type="primFontSz" val="5" fact="NaN" max="NaN"/>
+                            </dgm:ruleLst>
+                          </dgm:layoutNode>
+                        </dgm:layoutNode>
+                      </dgm:forEach>
+                    </dgm:layoutNode>
+                  </dgm:layoutNode>
+                  <dgm:forEach name="Name37" axis="followSib" ptType="sibTrans" cnt="1">
+                    <dgm:layoutNode name="thinLine3" styleLbl="callout">
+                      <dgm:alg type="sp"/>
+                      <dgm:shape xmlns:r="http://schemas.openxmlformats.org/officeDocument/2006/relationships" type="line" r:blip="">
+                        <dgm:adjLst/>
+                      </dgm:shape>
+                      <dgm:presOf/>
+                    </dgm:layoutNode>
+                  </dgm:forEach>
+                </dgm:forEach>
+              </dgm:layoutNode>
+            </dgm:layoutNode>
+            <dgm:layoutNode name="thinLine2b" styleLbl="callout">
+              <dgm:alg type="sp"/>
+              <dgm:shape xmlns:r="http://schemas.openxmlformats.org/officeDocument/2006/relationships" type="line" r:blip="">
+                <dgm:adjLst/>
+              </dgm:shape>
+              <dgm:presOf/>
+            </dgm:layoutNode>
+            <dgm:layoutNode name="vertSpace2b">
+              <dgm:alg type="sp"/>
+              <dgm:shape xmlns:r="http://schemas.openxmlformats.org/officeDocument/2006/relationships" r:blip="">
+                <dgm:adjLst/>
+              </dgm:shape>
+              <dgm:presOf/>
+            </dgm:layoutNode>
+          </dgm:forEach>
+        </dgm:layoutNode>
+      </dgm:layoutNode>
     </dgm:forEach>
   </dgm:layoutNode>
 </dgm:layoutDef>
@@ -14853,11 +15474,11 @@
 </file>
 
 <file path=ppt/diagrams/quickStyle5.xml><?xml version="1.0" encoding="utf-8"?>
-<dgm:styleDef xmlns:dgm="http://schemas.openxmlformats.org/drawingml/2006/diagram" xmlns:a="http://schemas.openxmlformats.org/drawingml/2006/main" uniqueId="urn:microsoft.com/office/officeart/2005/8/quickstyle/simple1">
+<dgm:styleDef xmlns:dgm="http://schemas.openxmlformats.org/drawingml/2006/diagram" xmlns:a="http://schemas.openxmlformats.org/drawingml/2006/main" uniqueId="urn:microsoft.com/office/officeart/2005/8/quickstyle/simple2">
   <dgm:title val=""/>
   <dgm:desc val=""/>
   <dgm:catLst>
-    <dgm:cat type="simple" pri="10100"/>
+    <dgm:cat type="simple" pri="10200"/>
   </dgm:catLst>
   <dgm:scene3d>
     <a:camera prst="orthographicFront"/>
@@ -14871,13 +15492,13 @@
     <dgm:sp3d/>
     <dgm:txPr/>
     <dgm:style>
-      <a:lnRef idx="2">
+      <a:lnRef idx="3">
         <a:scrgbClr r="0" g="0" b="0"/>
       </a:lnRef>
       <a:fillRef idx="1">
         <a:scrgbClr r="0" g="0" b="0"/>
       </a:fillRef>
-      <a:effectRef idx="0">
+      <a:effectRef idx="1">
         <a:scrgbClr r="0" g="0" b="0"/>
       </a:effectRef>
       <a:fontRef idx="minor">
@@ -14893,13 +15514,13 @@
     <dgm:sp3d/>
     <dgm:txPr/>
     <dgm:style>
-      <a:lnRef idx="2">
+      <a:lnRef idx="3">
         <a:scrgbClr r="0" g="0" b="0"/>
       </a:lnRef>
       <a:fillRef idx="1">
         <a:scrgbClr r="0" g="0" b="0"/>
       </a:fillRef>
-      <a:effectRef idx="0">
+      <a:effectRef idx="1">
         <a:scrgbClr r="0" g="0" b="0"/>
       </a:effectRef>
       <a:fontRef idx="minor">
@@ -14915,7 +15536,7 @@
     <dgm:sp3d/>
     <dgm:txPr/>
     <dgm:style>
-      <a:lnRef idx="2">
+      <a:lnRef idx="3">
         <a:scrgbClr r="0" g="0" b="0"/>
       </a:lnRef>
       <a:fillRef idx="1">
@@ -14943,7 +15564,7 @@
       <a:fillRef idx="1">
         <a:scrgbClr r="0" g="0" b="0"/>
       </a:fillRef>
-      <a:effectRef idx="0">
+      <a:effectRef idx="1">
         <a:scrgbClr r="0" g="0" b="0"/>
       </a:effectRef>
       <a:fontRef idx="minor">
@@ -14959,13 +15580,13 @@
     <dgm:sp3d/>
     <dgm:txPr/>
     <dgm:style>
-      <a:lnRef idx="2">
+      <a:lnRef idx="3">
         <a:scrgbClr r="0" g="0" b="0"/>
       </a:lnRef>
       <a:fillRef idx="1">
         <a:scrgbClr r="0" g="0" b="0"/>
       </a:fillRef>
-      <a:effectRef idx="0">
+      <a:effectRef idx="1">
         <a:scrgbClr r="0" g="0" b="0"/>
       </a:effectRef>
       <a:fontRef idx="minor">
@@ -14981,13 +15602,13 @@
     <dgm:sp3d/>
     <dgm:txPr/>
     <dgm:style>
-      <a:lnRef idx="2">
+      <a:lnRef idx="3">
         <a:scrgbClr r="0" g="0" b="0"/>
       </a:lnRef>
       <a:fillRef idx="1">
         <a:scrgbClr r="0" g="0" b="0"/>
       </a:fillRef>
-      <a:effectRef idx="0">
+      <a:effectRef idx="1">
         <a:scrgbClr r="0" g="0" b="0"/>
       </a:effectRef>
       <a:fontRef idx="minor">
@@ -15003,13 +15624,13 @@
     <dgm:sp3d/>
     <dgm:txPr/>
     <dgm:style>
-      <a:lnRef idx="2">
+      <a:lnRef idx="3">
         <a:scrgbClr r="0" g="0" b="0"/>
       </a:lnRef>
       <a:fillRef idx="1">
         <a:scrgbClr r="0" g="0" b="0"/>
       </a:fillRef>
-      <a:effectRef idx="0">
+      <a:effectRef idx="1">
         <a:scrgbClr r="0" g="0" b="0"/>
       </a:effectRef>
       <a:fontRef idx="minor">
@@ -15025,13 +15646,13 @@
     <dgm:sp3d/>
     <dgm:txPr/>
     <dgm:style>
-      <a:lnRef idx="2">
+      <a:lnRef idx="3">
         <a:scrgbClr r="0" g="0" b="0"/>
       </a:lnRef>
       <a:fillRef idx="1">
         <a:scrgbClr r="0" g="0" b="0"/>
       </a:fillRef>
-      <a:effectRef idx="0">
+      <a:effectRef idx="1">
         <a:scrgbClr r="0" g="0" b="0"/>
       </a:effectRef>
       <a:fontRef idx="minor">
@@ -15047,13 +15668,13 @@
     <dgm:sp3d/>
     <dgm:txPr/>
     <dgm:style>
-      <a:lnRef idx="2">
+      <a:lnRef idx="3">
         <a:scrgbClr r="0" g="0" b="0"/>
       </a:lnRef>
       <a:fillRef idx="1">
         <a:scrgbClr r="0" g="0" b="0"/>
       </a:fillRef>
-      <a:effectRef idx="0">
+      <a:effectRef idx="1">
         <a:scrgbClr r="0" g="0" b="0"/>
       </a:effectRef>
       <a:fontRef idx="minor"/>
@@ -15067,13 +15688,13 @@
     <dgm:sp3d/>
     <dgm:txPr/>
     <dgm:style>
-      <a:lnRef idx="2">
+      <a:lnRef idx="3">
         <a:scrgbClr r="0" g="0" b="0"/>
       </a:lnRef>
       <a:fillRef idx="1">
         <a:scrgbClr r="0" g="0" b="0"/>
       </a:fillRef>
-      <a:effectRef idx="0">
+      <a:effectRef idx="1">
         <a:scrgbClr r="0" g="0" b="0"/>
       </a:effectRef>
       <a:fontRef idx="minor"/>
@@ -15087,13 +15708,13 @@
     <dgm:sp3d/>
     <dgm:txPr/>
     <dgm:style>
-      <a:lnRef idx="2">
+      <a:lnRef idx="3">
         <a:scrgbClr r="0" g="0" b="0"/>
       </a:lnRef>
       <a:fillRef idx="1">
         <a:scrgbClr r="0" g="0" b="0"/>
       </a:fillRef>
-      <a:effectRef idx="0">
+      <a:effectRef idx="1">
         <a:scrgbClr r="0" g="0" b="0"/>
       </a:effectRef>
       <a:fontRef idx="minor"/>
@@ -15113,7 +15734,7 @@
       <a:fillRef idx="1">
         <a:scrgbClr r="0" g="0" b="0"/>
       </a:fillRef>
-      <a:effectRef idx="0">
+      <a:effectRef idx="1">
         <a:scrgbClr r="0" g="0" b="0"/>
       </a:effectRef>
       <a:fontRef idx="minor">
@@ -15135,7 +15756,7 @@
       <a:fillRef idx="1">
         <a:scrgbClr r="0" g="0" b="0"/>
       </a:fillRef>
-      <a:effectRef idx="0">
+      <a:effectRef idx="1">
         <a:scrgbClr r="0" g="0" b="0"/>
       </a:effectRef>
       <a:fontRef idx="minor">
@@ -15157,7 +15778,7 @@
       <a:fillRef idx="1">
         <a:scrgbClr r="0" g="0" b="0"/>
       </a:fillRef>
-      <a:effectRef idx="0">
+      <a:effectRef idx="1">
         <a:scrgbClr r="0" g="0" b="0"/>
       </a:effectRef>
       <a:fontRef idx="minor">
@@ -15199,7 +15820,7 @@
       <a:fillRef idx="1">
         <a:scrgbClr r="0" g="0" b="0"/>
       </a:fillRef>
-      <a:effectRef idx="0">
+      <a:effectRef idx="1">
         <a:scrgbClr r="0" g="0" b="0"/>
       </a:effectRef>
       <a:fontRef idx="minor"/>
@@ -15213,13 +15834,13 @@
     <dgm:sp3d/>
     <dgm:txPr/>
     <dgm:style>
-      <a:lnRef idx="2">
+      <a:lnRef idx="3">
         <a:scrgbClr r="0" g="0" b="0"/>
       </a:lnRef>
       <a:fillRef idx="1">
         <a:scrgbClr r="0" g="0" b="0"/>
       </a:fillRef>
-      <a:effectRef idx="0">
+      <a:effectRef idx="1">
         <a:scrgbClr r="0" g="0" b="0"/>
       </a:effectRef>
       <a:fontRef idx="minor">
@@ -15235,13 +15856,13 @@
     <dgm:sp3d/>
     <dgm:txPr/>
     <dgm:style>
-      <a:lnRef idx="2">
+      <a:lnRef idx="3">
         <a:scrgbClr r="0" g="0" b="0"/>
       </a:lnRef>
       <a:fillRef idx="1">
         <a:scrgbClr r="0" g="0" b="0"/>
       </a:fillRef>
-      <a:effectRef idx="0">
+      <a:effectRef idx="1">
         <a:scrgbClr r="0" g="0" b="0"/>
       </a:effectRef>
       <a:fontRef idx="minor">
@@ -15257,13 +15878,13 @@
     <dgm:sp3d/>
     <dgm:txPr/>
     <dgm:style>
-      <a:lnRef idx="2">
+      <a:lnRef idx="3">
         <a:scrgbClr r="0" g="0" b="0"/>
       </a:lnRef>
       <a:fillRef idx="1">
         <a:scrgbClr r="0" g="0" b="0"/>
       </a:fillRef>
-      <a:effectRef idx="0">
+      <a:effectRef idx="1">
         <a:scrgbClr r="0" g="0" b="0"/>
       </a:effectRef>
       <a:fontRef idx="minor">
@@ -15279,13 +15900,13 @@
     <dgm:sp3d/>
     <dgm:txPr/>
     <dgm:style>
-      <a:lnRef idx="2">
+      <a:lnRef idx="3">
         <a:scrgbClr r="0" g="0" b="0"/>
       </a:lnRef>
       <a:fillRef idx="1">
         <a:scrgbClr r="0" g="0" b="0"/>
       </a:fillRef>
-      <a:effectRef idx="0">
+      <a:effectRef idx="1">
         <a:scrgbClr r="0" g="0" b="0"/>
       </a:effectRef>
       <a:fontRef idx="minor">
@@ -15301,13 +15922,13 @@
     <dgm:sp3d/>
     <dgm:txPr/>
     <dgm:style>
-      <a:lnRef idx="2">
+      <a:lnRef idx="3">
         <a:scrgbClr r="0" g="0" b="0"/>
       </a:lnRef>
       <a:fillRef idx="1">
         <a:scrgbClr r="0" g="0" b="0"/>
       </a:fillRef>
-      <a:effectRef idx="0">
+      <a:effectRef idx="1">
         <a:scrgbClr r="0" g="0" b="0"/>
       </a:effectRef>
       <a:fontRef idx="minor">
@@ -15323,13 +15944,13 @@
     <dgm:sp3d/>
     <dgm:txPr/>
     <dgm:style>
-      <a:lnRef idx="2">
+      <a:lnRef idx="3">
         <a:scrgbClr r="0" g="0" b="0"/>
       </a:lnRef>
       <a:fillRef idx="1">
         <a:scrgbClr r="0" g="0" b="0"/>
       </a:fillRef>
-      <a:effectRef idx="0">
+      <a:effectRef idx="1">
         <a:scrgbClr r="0" g="0" b="0"/>
       </a:effectRef>
       <a:fontRef idx="minor">
@@ -15345,13 +15966,13 @@
     <dgm:sp3d/>
     <dgm:txPr/>
     <dgm:style>
-      <a:lnRef idx="2">
+      <a:lnRef idx="3">
         <a:scrgbClr r="0" g="0" b="0"/>
       </a:lnRef>
       <a:fillRef idx="1">
         <a:scrgbClr r="0" g="0" b="0"/>
       </a:fillRef>
-      <a:effectRef idx="0">
+      <a:effectRef idx="1">
         <a:scrgbClr r="0" g="0" b="0"/>
       </a:effectRef>
       <a:fontRef idx="minor">
@@ -15367,13 +15988,13 @@
     <dgm:sp3d/>
     <dgm:txPr/>
     <dgm:style>
-      <a:lnRef idx="2">
+      <a:lnRef idx="3">
         <a:scrgbClr r="0" g="0" b="0"/>
       </a:lnRef>
       <a:fillRef idx="1">
         <a:scrgbClr r="0" g="0" b="0"/>
       </a:fillRef>
-      <a:effectRef idx="0">
+      <a:effectRef idx="1">
         <a:scrgbClr r="0" g="0" b="0"/>
       </a:effectRef>
       <a:fontRef idx="minor">
@@ -15389,13 +16010,13 @@
     <dgm:sp3d/>
     <dgm:txPr/>
     <dgm:style>
-      <a:lnRef idx="2">
+      <a:lnRef idx="3">
         <a:scrgbClr r="0" g="0" b="0"/>
       </a:lnRef>
       <a:fillRef idx="1">
         <a:scrgbClr r="0" g="0" b="0"/>
       </a:fillRef>
-      <a:effectRef idx="0">
+      <a:effectRef idx="1">
         <a:scrgbClr r="0" g="0" b="0"/>
       </a:effectRef>
       <a:fontRef idx="minor">
@@ -15851,13 +16472,13 @@
     <dgm:sp3d/>
     <dgm:txPr/>
     <dgm:style>
-      <a:lnRef idx="2">
+      <a:lnRef idx="3">
         <a:scrgbClr r="0" g="0" b="0"/>
       </a:lnRef>
       <a:fillRef idx="1">
         <a:scrgbClr r="0" g="0" b="0"/>
       </a:fillRef>
-      <a:effectRef idx="0">
+      <a:effectRef idx="1">
         <a:scrgbClr r="0" g="0" b="0"/>
       </a:effectRef>
       <a:fontRef idx="minor"/>
@@ -16130,7 +16751,7 @@
           <a:p>
             <a:fld id="{9184DA70-C731-4C70-880D-CCD4705E623C}" type="datetime1">
               <a:rPr lang="en-US" smtClean="0"/>
-              <a:t>11/8/21</a:t>
+              <a:t>11/10/21</a:t>
             </a:fld>
             <a:endParaRPr lang="en-US" dirty="0"/>
           </a:p>
@@ -16318,7 +16939,7 @@
           <a:p>
             <a:fld id="{B612A279-0833-481D-8C56-F67FD0AC6C50}" type="datetime1">
               <a:rPr lang="en-US" smtClean="0"/>
-              <a:t>11/8/21</a:t>
+              <a:t>11/10/21</a:t>
             </a:fld>
             <a:endParaRPr lang="en-US" dirty="0"/>
           </a:p>
@@ -16560,7 +17181,7 @@
           <a:p>
             <a:fld id="{6587DA83-5663-4C9C-B9AA-0B40A3DAFF81}" type="datetime1">
               <a:rPr lang="en-US" smtClean="0"/>
-              <a:t>11/8/21</a:t>
+              <a:t>11/10/21</a:t>
             </a:fld>
             <a:endParaRPr lang="en-US" dirty="0"/>
           </a:p>
@@ -16748,7 +17369,7 @@
           <a:p>
             <a:fld id="{4BE1D723-8F53-4F53-90B0-1982A396982E}" type="datetime1">
               <a:rPr lang="en-US" smtClean="0"/>
-              <a:t>11/8/21</a:t>
+              <a:t>11/10/21</a:t>
             </a:fld>
             <a:endParaRPr lang="en-US" dirty="0"/>
           </a:p>
@@ -17121,7 +17742,7 @@
           <a:p>
             <a:fld id="{97669AF7-7BEB-44E4-9852-375E34362B5B}" type="datetime1">
               <a:rPr lang="en-US" smtClean="0"/>
-              <a:t>11/8/21</a:t>
+              <a:t>11/10/21</a:t>
             </a:fld>
             <a:endParaRPr lang="en-US" dirty="0"/>
           </a:p>
@@ -17376,7 +17997,7 @@
           <a:p>
             <a:fld id="{BAAAC38D-0552-4C82-B593-E6124DFADBE2}" type="datetime1">
               <a:rPr lang="en-US" smtClean="0"/>
-              <a:t>11/8/21</a:t>
+              <a:t>11/10/21</a:t>
             </a:fld>
             <a:endParaRPr lang="en-US" dirty="0"/>
           </a:p>
@@ -17773,7 +18394,7 @@
           <a:p>
             <a:fld id="{D9DF0F1C-5577-4ACB-BB62-DF8F3C494C7E}" type="datetime1">
               <a:rPr lang="en-US" smtClean="0"/>
-              <a:t>11/8/21</a:t>
+              <a:t>11/10/21</a:t>
             </a:fld>
             <a:endParaRPr lang="en-US" dirty="0"/>
           </a:p>
@@ -17909,7 +18530,7 @@
           <a:p>
             <a:fld id="{1775B394-D9F9-4F0C-B15D-605F45CB9E9F}" type="datetime1">
               <a:rPr lang="en-US" smtClean="0"/>
-              <a:t>11/8/21</a:t>
+              <a:t>11/10/21</a:t>
             </a:fld>
             <a:endParaRPr lang="en-US" dirty="0"/>
           </a:p>
@@ -18066,7 +18687,7 @@
           <a:p>
             <a:fld id="{39667345-2558-425A-8533-9BFDBCE15005}" type="datetime1">
               <a:rPr lang="en-US" smtClean="0"/>
-              <a:t>11/8/21</a:t>
+              <a:t>11/10/21</a:t>
             </a:fld>
             <a:endParaRPr lang="en-US" dirty="0"/>
           </a:p>
@@ -18395,7 +19016,7 @@
           <a:p>
             <a:fld id="{92BEA474-078D-4E9B-9B14-09A87B19DC46}" type="datetime1">
               <a:rPr lang="en-US" smtClean="0"/>
-              <a:t>11/8/21</a:t>
+              <a:t>11/10/21</a:t>
             </a:fld>
             <a:endParaRPr lang="en-US" dirty="0"/>
           </a:p>
@@ -18745,7 +19366,7 @@
           <a:p>
             <a:fld id="{4907D986-8816-4272-A432-0437A28A9828}" type="datetime1">
               <a:rPr lang="en-US" smtClean="0"/>
-              <a:t>11/8/21</a:t>
+              <a:t>11/10/21</a:t>
             </a:fld>
             <a:endParaRPr lang="en-US" dirty="0"/>
           </a:p>
@@ -19006,7 +19627,7 @@
           <a:p>
             <a:fld id="{62D6E202-B606-4609-B914-27C9371A1F6D}" type="datetime1">
               <a:rPr lang="en-US" smtClean="0"/>
-              <a:t>11/8/21</a:t>
+              <a:t>11/10/21</a:t>
             </a:fld>
             <a:endParaRPr lang="en-US" dirty="0"/>
           </a:p>
@@ -20317,10 +20938,7 @@
     <p:bg>
       <p:bgPr>
         <a:solidFill>
-          <a:schemeClr val="tx1">
-            <a:lumMod val="75000"/>
-            <a:lumOff val="25000"/>
-          </a:schemeClr>
+          <a:schemeClr val="bg1"/>
         </a:solidFill>
         <a:effectLst/>
       </p:bgPr>
@@ -20339,12 +20957,12 @@
           <a:chExt cx="0" cy="0"/>
         </a:xfrm>
       </p:grpSpPr>
-      <p:sp useBgFill="1">
+      <p:sp>
         <p:nvSpPr>
-          <p:cNvPr id="9" name="Rectangle 8">
+          <p:cNvPr id="25" name="Rectangle 24">
             <a:extLst>
               <a:ext uri="{FF2B5EF4-FFF2-40B4-BE49-F238E27FC236}">
-                <a16:creationId xmlns:a16="http://schemas.microsoft.com/office/drawing/2014/main" id="{68BDBE5C-BBE9-4E89-BEE5-DEB6EAB8702D}"/>
+                <a16:creationId xmlns:a16="http://schemas.microsoft.com/office/drawing/2014/main" id="{E844E128-FF69-4E9F-8327-6B504B3C5AE1}"/>
               </a:ext>
               <a:ext uri="{C183D7F6-B498-43B3-948B-1728B52AA6E4}">
                 <adec:decorative xmlns:adec="http://schemas.microsoft.com/office/drawing/2017/decorative" val="1"/>
@@ -20362,125 +20980,10 @@
             </p:extLst>
           </p:nvPr>
         </p:nvSpPr>
-        <p:spPr>
+        <p:spPr bwMode="white">
           <a:xfrm>
-            <a:off x="0" y="0"/>
-            <a:ext cx="12192000" cy="6858000"/>
-          </a:xfrm>
-          <a:prstGeom prst="rect">
-            <a:avLst/>
-          </a:prstGeom>
-          <a:ln>
-            <a:noFill/>
-          </a:ln>
-        </p:spPr>
-        <p:style>
-          <a:lnRef idx="2">
-            <a:schemeClr val="accent1">
-              <a:shade val="50000"/>
-            </a:schemeClr>
-          </a:lnRef>
-          <a:fillRef idx="1">
-            <a:schemeClr val="accent1"/>
-          </a:fillRef>
-          <a:effectRef idx="0">
-            <a:schemeClr val="accent1"/>
-          </a:effectRef>
-          <a:fontRef idx="minor">
-            <a:schemeClr val="lt1"/>
-          </a:fontRef>
-        </p:style>
-        <p:txBody>
-          <a:bodyPr rtlCol="0" anchor="ctr"/>
-          <a:lstStyle/>
-          <a:p>
-            <a:pPr algn="ctr"/>
-            <a:endParaRPr lang="en-US"/>
-          </a:p>
-        </p:txBody>
-      </p:sp>
-      <p:cxnSp>
-        <p:nvCxnSpPr>
-          <p:cNvPr id="11" name="Straight Connector 10">
-            <a:extLst>
-              <a:ext uri="{FF2B5EF4-FFF2-40B4-BE49-F238E27FC236}">
-                <a16:creationId xmlns:a16="http://schemas.microsoft.com/office/drawing/2014/main" id="{2752F38C-F560-47AA-90AD-209F39C04150}"/>
-              </a:ext>
-              <a:ext uri="{C183D7F6-B498-43B3-948B-1728B52AA6E4}">
-                <adec:decorative xmlns:adec="http://schemas.microsoft.com/office/drawing/2017/decorative" val="1"/>
-              </a:ext>
-            </a:extLst>
-          </p:cNvPr>
-          <p:cNvCxnSpPr>
-            <a:cxnSpLocks noGrp="1" noRot="1" noChangeAspect="1" noMove="1" noResize="1" noEditPoints="1" noAdjustHandles="1" noChangeArrowheads="1" noChangeShapeType="1"/>
-          </p:cNvCxnSpPr>
-          <p:nvPr>
-            <p:extLst>
-              <p:ext uri="{386F3935-93C4-4BCD-93E2-E3B085C9AB24}">
-                <p16:designElem xmlns:p16="http://schemas.microsoft.com/office/powerpoint/2015/main" val="1"/>
-              </p:ext>
-            </p:extLst>
-          </p:nvPr>
-        </p:nvCxnSpPr>
-        <p:spPr>
-          <a:xfrm>
-            <a:off x="4654296" y="1791298"/>
-            <a:ext cx="0" cy="2743200"/>
-          </a:xfrm>
-          <a:prstGeom prst="line">
-            <a:avLst/>
-          </a:prstGeom>
-          <a:ln w="12700">
-            <a:solidFill>
-              <a:schemeClr val="tx1">
-                <a:lumMod val="50000"/>
-                <a:lumOff val="50000"/>
-              </a:schemeClr>
-            </a:solidFill>
-          </a:ln>
-        </p:spPr>
-        <p:style>
-          <a:lnRef idx="1">
-            <a:schemeClr val="accent1"/>
-          </a:lnRef>
-          <a:fillRef idx="0">
-            <a:schemeClr val="accent1"/>
-          </a:fillRef>
-          <a:effectRef idx="0">
-            <a:schemeClr val="accent1"/>
-          </a:effectRef>
-          <a:fontRef idx="minor">
-            <a:schemeClr val="tx1"/>
-          </a:fontRef>
-        </p:style>
-      </p:cxnSp>
-      <p:sp>
-        <p:nvSpPr>
-          <p:cNvPr id="13" name="Rectangle 12">
-            <a:extLst>
-              <a:ext uri="{FF2B5EF4-FFF2-40B4-BE49-F238E27FC236}">
-                <a16:creationId xmlns:a16="http://schemas.microsoft.com/office/drawing/2014/main" id="{DFC4168B-AA75-4715-9B96-CF84B170A68B}"/>
-              </a:ext>
-              <a:ext uri="{C183D7F6-B498-43B3-948B-1728B52AA6E4}">
-                <adec:decorative xmlns:adec="http://schemas.microsoft.com/office/drawing/2017/decorative" val="1"/>
-              </a:ext>
-            </a:extLst>
-          </p:cNvPr>
-          <p:cNvSpPr>
-            <a:spLocks noGrp="1" noRot="1" noChangeAspect="1" noMove="1" noResize="1" noEditPoints="1" noAdjustHandles="1" noChangeArrowheads="1" noChangeShapeType="1" noTextEdit="1"/>
-          </p:cNvSpPr>
-          <p:nvPr>
-            <p:extLst>
-              <p:ext uri="{386F3935-93C4-4BCD-93E2-E3B085C9AB24}">
-                <p16:designElem xmlns:p16="http://schemas.microsoft.com/office/powerpoint/2015/main" val="1"/>
-              </p:ext>
-            </p:extLst>
-          </p:nvPr>
-        </p:nvSpPr>
-        <p:spPr>
-          <a:xfrm>
-            <a:off x="0" y="6400800"/>
-            <a:ext cx="12192000" cy="457200"/>
+            <a:off x="-1" y="0"/>
+            <a:ext cx="12191985" cy="6858000"/>
           </a:xfrm>
           <a:prstGeom prst="rect">
             <a:avLst/>
@@ -20509,6 +21012,87 @@
           </a:fontRef>
         </p:style>
       </p:sp>
+      <p:pic>
+        <p:nvPicPr>
+          <p:cNvPr id="3" name="Рисунок 2">
+            <a:extLst>
+              <a:ext uri="{FF2B5EF4-FFF2-40B4-BE49-F238E27FC236}">
+                <a16:creationId xmlns:a16="http://schemas.microsoft.com/office/drawing/2014/main" id="{0D3AED9A-9418-034A-8BBA-ECAA1977B33E}"/>
+              </a:ext>
+            </a:extLst>
+          </p:cNvPr>
+          <p:cNvPicPr>
+            <a:picLocks noChangeAspect="1"/>
+          </p:cNvPicPr>
+          <p:nvPr/>
+        </p:nvPicPr>
+        <p:blipFill rotWithShape="1">
+          <a:blip r:embed="rId2"/>
+          <a:srcRect l="2070" r="132" b="24445"/>
+          <a:stretch/>
+        </p:blipFill>
+        <p:spPr>
+          <a:xfrm>
+            <a:off x="20" y="10"/>
+            <a:ext cx="4580077" cy="6857990"/>
+          </a:xfrm>
+          <a:prstGeom prst="rect">
+            <a:avLst/>
+          </a:prstGeom>
+        </p:spPr>
+      </p:pic>
+      <p:cxnSp>
+        <p:nvCxnSpPr>
+          <p:cNvPr id="27" name="Straight Connector 26">
+            <a:extLst>
+              <a:ext uri="{FF2B5EF4-FFF2-40B4-BE49-F238E27FC236}">
+                <a16:creationId xmlns:a16="http://schemas.microsoft.com/office/drawing/2014/main" id="{055CEADF-09EA-423C-8C45-F94AF44D5AF0}"/>
+              </a:ext>
+              <a:ext uri="{C183D7F6-B498-43B3-948B-1728B52AA6E4}">
+                <adec:decorative xmlns:adec="http://schemas.microsoft.com/office/drawing/2017/decorative" val="1"/>
+              </a:ext>
+            </a:extLst>
+          </p:cNvPr>
+          <p:cNvCxnSpPr>
+            <a:cxnSpLocks noGrp="1" noRot="1" noChangeAspect="1" noMove="1" noResize="1" noEditPoints="1" noAdjustHandles="1" noChangeArrowheads="1" noChangeShapeType="1"/>
+          </p:cNvCxnSpPr>
+          <p:nvPr>
+            <p:extLst>
+              <p:ext uri="{386F3935-93C4-4BCD-93E2-E3B085C9AB24}">
+                <p16:designElem xmlns:p16="http://schemas.microsoft.com/office/powerpoint/2015/main" val="1"/>
+              </p:ext>
+            </p:extLst>
+          </p:nvPr>
+        </p:nvCxnSpPr>
+        <p:spPr>
+          <a:xfrm>
+            <a:off x="5200864" y="2353592"/>
+            <a:ext cx="5669280" cy="0"/>
+          </a:xfrm>
+          <a:prstGeom prst="line">
+            <a:avLst/>
+          </a:prstGeom>
+          <a:ln w="19050">
+            <a:solidFill>
+              <a:schemeClr val="accent1"/>
+            </a:solidFill>
+          </a:ln>
+        </p:spPr>
+        <p:style>
+          <a:lnRef idx="1">
+            <a:schemeClr val="accent1"/>
+          </a:lnRef>
+          <a:fillRef idx="0">
+            <a:schemeClr val="accent1"/>
+          </a:fillRef>
+          <a:effectRef idx="0">
+            <a:schemeClr val="accent1"/>
+          </a:effectRef>
+          <a:fontRef idx="minor">
+            <a:schemeClr val="tx1"/>
+          </a:fontRef>
+        </p:style>
+      </p:cxnSp>
       <p:graphicFrame>
         <p:nvGraphicFramePr>
           <p:cNvPr id="5" name="Объект 2">
@@ -20525,18 +21109,18 @@
             <p:ph idx="1"/>
             <p:extLst>
               <p:ext uri="{D42A27DB-BD31-4B8C-83A1-F6EECF244321}">
-                <p14:modId xmlns:p14="http://schemas.microsoft.com/office/powerpoint/2010/main" val="2269678580"/>
+                <p14:modId xmlns:p14="http://schemas.microsoft.com/office/powerpoint/2010/main" val="3657383454"/>
               </p:ext>
             </p:extLst>
           </p:nvPr>
         </p:nvGraphicFramePr>
         <p:xfrm>
-          <a:off x="4976031" y="634947"/>
-          <a:ext cx="6582555" cy="5121798"/>
+          <a:off x="5116784" y="2546224"/>
+          <a:ext cx="5977938" cy="3342747"/>
         </p:xfrm>
         <a:graphic>
           <a:graphicData uri="http://schemas.openxmlformats.org/drawingml/2006/diagram">
-            <dgm:relIds xmlns:dgm="http://schemas.openxmlformats.org/drawingml/2006/diagram" xmlns:r="http://schemas.openxmlformats.org/officeDocument/2006/relationships" r:dm="rId2" r:lo="rId3" r:qs="rId4" r:cs="rId5"/>
+            <dgm:relIds xmlns:dgm="http://schemas.openxmlformats.org/drawingml/2006/diagram" xmlns:r="http://schemas.openxmlformats.org/officeDocument/2006/relationships" r:dm="rId3" r:lo="rId4" r:qs="rId5" r:cs="rId6"/>
           </a:graphicData>
         </a:graphic>
       </p:graphicFrame>
@@ -20548,7 +21132,7 @@
     </p:extLst>
   </p:cSld>
   <p:clrMapOvr>
-    <a:masterClrMapping/>
+    <a:overrideClrMapping bg1="dk1" tx1="lt1" bg2="dk2" tx2="lt2" accent1="accent1" accent2="accent2" accent3="accent3" accent4="accent4" accent5="accent5" accent6="accent6" hlink="hlink" folHlink="folHlink"/>
   </p:clrMapOvr>
 </p:sld>
 </file>
